--- a/Week_4/Day_3/Miniproject 3.pptx
+++ b/Week_4/Day_3/Miniproject 3.pptx
@@ -5,7 +5,7 @@
     <p:sldMasterId id="2147483660" r:id="rId1"/>
   </p:sldMasterIdLst>
   <p:notesMasterIdLst>
-    <p:notesMasterId r:id="rId10"/>
+    <p:notesMasterId r:id="rId12"/>
   </p:notesMasterIdLst>
   <p:sldIdLst>
     <p:sldId id="256" r:id="rId2"/>
@@ -13,9 +13,11 @@
     <p:sldId id="260" r:id="rId4"/>
     <p:sldId id="265" r:id="rId5"/>
     <p:sldId id="258" r:id="rId6"/>
-    <p:sldId id="259" r:id="rId7"/>
-    <p:sldId id="266" r:id="rId8"/>
-    <p:sldId id="264" r:id="rId9"/>
+    <p:sldId id="267" r:id="rId7"/>
+    <p:sldId id="268" r:id="rId8"/>
+    <p:sldId id="259" r:id="rId9"/>
+    <p:sldId id="266" r:id="rId10"/>
+    <p:sldId id="264" r:id="rId11"/>
   </p:sldIdLst>
   <p:sldSz cx="12192000" cy="6858000"/>
   <p:notesSz cx="6858000" cy="9144000"/>
@@ -204,7 +206,7 @@
           <a:p>
             <a:fld id="{81A8A069-BA3D-46A6-8556-56944FDB635F}" type="datetimeFigureOut">
               <a:rPr lang="en-CA" smtClean="0"/>
-              <a:t>8/11/2021</a:t>
+              <a:t>8/12/2021</a:t>
             </a:fld>
             <a:endParaRPr lang="en-CA"/>
           </a:p>
@@ -518,6 +520,18 @@
           <a:p>
             <a:r>
               <a:rPr lang="en-CA" dirty="0"/>
+              <a:t>Nik</a:t>
+            </a:r>
+          </a:p>
+          <a:p>
+            <a:endParaRPr lang="en-CA" dirty="0"/>
+          </a:p>
+          <a:p>
+            <a:endParaRPr lang="en-CA" dirty="0"/>
+          </a:p>
+          <a:p>
+            <a:r>
+              <a:rPr lang="en-CA" dirty="0"/>
               <a:t>Anurag’s comments on </a:t>
             </a:r>
             <a:r>
@@ -635,6 +649,127 @@
     <p:extLst>
       <p:ext uri="{BB962C8B-B14F-4D97-AF65-F5344CB8AC3E}">
         <p14:creationId xmlns:p14="http://schemas.microsoft.com/office/powerpoint/2010/main" val="1695172122"/>
+      </p:ext>
+    </p:extLst>
+  </p:cSld>
+  <p:clrMapOvr>
+    <a:masterClrMapping/>
+  </p:clrMapOvr>
+</p:notes>
+</file>
+
+<file path=ppt/notesSlides/notesSlide10.xml><?xml version="1.0" encoding="utf-8"?>
+<p:notes xmlns:a="http://schemas.openxmlformats.org/drawingml/2006/main" xmlns:r="http://schemas.openxmlformats.org/officeDocument/2006/relationships" xmlns:p="http://schemas.openxmlformats.org/presentationml/2006/main">
+  <p:cSld>
+    <p:spTree>
+      <p:nvGrpSpPr>
+        <p:cNvPr id="1" name=""/>
+        <p:cNvGrpSpPr/>
+        <p:nvPr/>
+      </p:nvGrpSpPr>
+      <p:grpSpPr>
+        <a:xfrm>
+          <a:off x="0" y="0"/>
+          <a:ext cx="0" cy="0"/>
+          <a:chOff x="0" y="0"/>
+          <a:chExt cx="0" cy="0"/>
+        </a:xfrm>
+      </p:grpSpPr>
+      <p:sp>
+        <p:nvSpPr>
+          <p:cNvPr id="2" name="Slide Image Placeholder 1"/>
+          <p:cNvSpPr>
+            <a:spLocks noGrp="1" noRot="1" noChangeAspect="1"/>
+          </p:cNvSpPr>
+          <p:nvPr>
+            <p:ph type="sldImg"/>
+          </p:nvPr>
+        </p:nvSpPr>
+        <p:spPr/>
+      </p:sp>
+      <p:sp>
+        <p:nvSpPr>
+          <p:cNvPr id="3" name="Notes Placeholder 2"/>
+          <p:cNvSpPr>
+            <a:spLocks noGrp="1"/>
+          </p:cNvSpPr>
+          <p:nvPr>
+            <p:ph type="body" idx="1"/>
+          </p:nvPr>
+        </p:nvSpPr>
+        <p:spPr/>
+        <p:txBody>
+          <a:bodyPr/>
+          <a:lstStyle/>
+          <a:p>
+            <a:r>
+              <a:rPr lang="en-CA" dirty="0"/>
+              <a:t>Nik</a:t>
+            </a:r>
+          </a:p>
+          <a:p>
+            <a:endParaRPr lang="en-CA" dirty="0"/>
+          </a:p>
+          <a:p>
+            <a:r>
+              <a:rPr lang="en-CA" dirty="0"/>
+              <a:t>Database could</a:t>
+            </a:r>
+            <a:r>
+              <a:rPr lang="en-CA" baseline="0" dirty="0"/>
+              <a:t> include:</a:t>
+            </a:r>
+          </a:p>
+          <a:p>
+            <a:pPr marL="171450" indent="-171450">
+              <a:buFontTx/>
+              <a:buChar char="-"/>
+            </a:pPr>
+            <a:r>
+              <a:rPr lang="en-CA" baseline="0" dirty="0"/>
+              <a:t>More data overall</a:t>
+            </a:r>
+          </a:p>
+          <a:p>
+            <a:pPr marL="171450" indent="-171450">
+              <a:buFontTx/>
+              <a:buChar char="-"/>
+            </a:pPr>
+            <a:r>
+              <a:rPr lang="en-CA" baseline="0" dirty="0"/>
+              <a:t>Nationality, occupation, education, interests</a:t>
+            </a:r>
+            <a:endParaRPr lang="en-CA" dirty="0"/>
+          </a:p>
+        </p:txBody>
+      </p:sp>
+      <p:sp>
+        <p:nvSpPr>
+          <p:cNvPr id="4" name="Slide Number Placeholder 3"/>
+          <p:cNvSpPr>
+            <a:spLocks noGrp="1"/>
+          </p:cNvSpPr>
+          <p:nvPr>
+            <p:ph type="sldNum" sz="quarter" idx="10"/>
+          </p:nvPr>
+        </p:nvSpPr>
+        <p:spPr/>
+        <p:txBody>
+          <a:bodyPr/>
+          <a:lstStyle/>
+          <a:p>
+            <a:fld id="{188F1977-5685-4D41-84BF-DDDC42B2FD8A}" type="slidenum">
+              <a:rPr lang="en-CA" smtClean="0"/>
+              <a:t>10</a:t>
+            </a:fld>
+            <a:endParaRPr lang="en-CA"/>
+          </a:p>
+        </p:txBody>
+      </p:sp>
+    </p:spTree>
+    <p:extLst>
+      <p:ext uri="{BB962C8B-B14F-4D97-AF65-F5344CB8AC3E}">
+        <p14:creationId xmlns:p14="http://schemas.microsoft.com/office/powerpoint/2010/main" val="951164770"/>
       </p:ext>
     </p:extLst>
   </p:cSld>
@@ -688,14 +823,29 @@
           <a:bodyPr/>
           <a:lstStyle/>
           <a:p>
-            <a:pPr marL="171450" indent="-171450">
+            <a:pPr marL="0" marR="0" lvl="0" indent="0" algn="l" defTabSz="914400" rtl="0" eaLnBrk="1" fontAlgn="auto" latinLnBrk="0" hangingPunct="1">
+              <a:lnSpc>
+                <a:spcPct val="100000"/>
+              </a:lnSpc>
+              <a:spcBef>
+                <a:spcPts val="0"/>
+              </a:spcBef>
+              <a:spcAft>
+                <a:spcPts val="0"/>
+              </a:spcAft>
+              <a:buClrTx/>
+              <a:buSzTx/>
               <a:buFontTx/>
-              <a:buChar char="-"/>
+              <a:buNone/>
+              <a:tabLst/>
+              <a:defRPr/>
             </a:pPr>
             <a:r>
-              <a:rPr lang="en-CA" sz="1200" dirty="0"/>
-              <a:t>GIC = guaranteed investment certificate</a:t>
-            </a:r>
+              <a:rPr lang="en-CA" dirty="0"/>
+              <a:t>Nik</a:t>
+            </a:r>
+          </a:p>
+          <a:p>
             <a:endParaRPr lang="en-CA" dirty="0"/>
           </a:p>
         </p:txBody>
@@ -717,7 +867,7 @@
           <a:p>
             <a:fld id="{188F1977-5685-4D41-84BF-DDDC42B2FD8A}" type="slidenum">
               <a:rPr lang="en-CA" smtClean="0"/>
-              <a:t>3</a:t>
+              <a:t>2</a:t>
             </a:fld>
             <a:endParaRPr lang="en-CA"/>
           </a:p>
@@ -726,7 +876,7 @@
     </p:spTree>
     <p:extLst>
       <p:ext uri="{BB962C8B-B14F-4D97-AF65-F5344CB8AC3E}">
-        <p14:creationId xmlns:p14="http://schemas.microsoft.com/office/powerpoint/2010/main" val="1439390315"/>
+        <p14:creationId xmlns:p14="http://schemas.microsoft.com/office/powerpoint/2010/main" val="2394924592"/>
       </p:ext>
     </p:extLst>
   </p:cSld>
@@ -780,10 +930,54 @@
           <a:bodyPr/>
           <a:lstStyle/>
           <a:p>
-            <a:pPr marL="0" indent="0">
+            <a:pPr marL="0" marR="0" lvl="0" indent="0" algn="l" defTabSz="914400" rtl="0" eaLnBrk="1" fontAlgn="auto" latinLnBrk="0" hangingPunct="1">
+              <a:lnSpc>
+                <a:spcPct val="100000"/>
+              </a:lnSpc>
+              <a:spcBef>
+                <a:spcPts val="0"/>
+              </a:spcBef>
+              <a:spcAft>
+                <a:spcPts val="0"/>
+              </a:spcAft>
+              <a:buClrTx/>
+              <a:buSzTx/>
               <a:buFontTx/>
               <a:buNone/>
+              <a:tabLst/>
+              <a:defRPr/>
             </a:pPr>
+            <a:r>
+              <a:rPr lang="en-CA" dirty="0"/>
+              <a:t>Nik</a:t>
+            </a:r>
+          </a:p>
+          <a:p>
+            <a:pPr marL="171450" indent="-171450">
+              <a:buFontTx/>
+              <a:buChar char="-"/>
+            </a:pPr>
+            <a:endParaRPr lang="en-CA" sz="1200" dirty="0"/>
+          </a:p>
+          <a:p>
+            <a:pPr marL="171450" indent="-171450">
+              <a:buFontTx/>
+              <a:buChar char="-"/>
+            </a:pPr>
+            <a:r>
+              <a:rPr lang="en-CA" sz="1200" dirty="0"/>
+              <a:t>Could also offer loans to credit card users</a:t>
+            </a:r>
+          </a:p>
+          <a:p>
+            <a:pPr marL="171450" indent="-171450">
+              <a:buFontTx/>
+              <a:buChar char="-"/>
+            </a:pPr>
+            <a:r>
+              <a:rPr lang="en-CA" sz="1200" dirty="0"/>
+              <a:t>Could convince long-term savers to get a mortgage</a:t>
+            </a:r>
             <a:endParaRPr lang="en-CA" dirty="0"/>
           </a:p>
         </p:txBody>
@@ -805,7 +999,7 @@
           <a:p>
             <a:fld id="{188F1977-5685-4D41-84BF-DDDC42B2FD8A}" type="slidenum">
               <a:rPr lang="en-CA" smtClean="0"/>
-              <a:t>4</a:t>
+              <a:t>3</a:t>
             </a:fld>
             <a:endParaRPr lang="en-CA"/>
           </a:p>
@@ -814,7 +1008,7 @@
     </p:spTree>
     <p:extLst>
       <p:ext uri="{BB962C8B-B14F-4D97-AF65-F5344CB8AC3E}">
-        <p14:creationId xmlns:p14="http://schemas.microsoft.com/office/powerpoint/2010/main" val="2040008611"/>
+        <p14:creationId xmlns:p14="http://schemas.microsoft.com/office/powerpoint/2010/main" val="1439390315"/>
       </p:ext>
     </p:extLst>
   </p:cSld>
@@ -868,50 +1062,14 @@
           <a:bodyPr/>
           <a:lstStyle/>
           <a:p>
-            <a:pPr marL="0" marR="0" lvl="0" indent="0" algn="l" defTabSz="914400" rtl="0" eaLnBrk="1" fontAlgn="auto" latinLnBrk="0" hangingPunct="1">
-              <a:lnSpc>
-                <a:spcPct val="100000"/>
-              </a:lnSpc>
-              <a:spcBef>
-                <a:spcPts val="0"/>
-              </a:spcBef>
-              <a:spcAft>
-                <a:spcPts val="0"/>
-              </a:spcAft>
-              <a:buClrTx/>
-              <a:buSzTx/>
+            <a:pPr marL="0" indent="0">
               <a:buFontTx/>
               <a:buNone/>
-              <a:tabLst/>
-              <a:defRPr/>
             </a:pPr>
             <a:r>
-              <a:rPr lang="en-CA" sz="1200" b="0" i="0" kern="1200" dirty="0" err="1">
-                <a:solidFill>
-                  <a:schemeClr val="tx1"/>
-                </a:solidFill>
-                <a:effectLst/>
-                <a:latin typeface="+mn-lt"/>
-                <a:ea typeface="+mn-ea"/>
-                <a:cs typeface="+mn-cs"/>
-              </a:rPr>
-              <a:t>scikit</a:t>
-            </a:r>
-            <a:r>
-              <a:rPr lang="en-CA" sz="1200" b="0" i="0" kern="1200" dirty="0">
-                <a:solidFill>
-                  <a:schemeClr val="tx1"/>
-                </a:solidFill>
-                <a:effectLst/>
-                <a:latin typeface="+mn-lt"/>
-                <a:ea typeface="+mn-ea"/>
-                <a:cs typeface="+mn-cs"/>
-              </a:rPr>
-              <a:t>-learn</a:t>
-            </a:r>
-          </a:p>
-          <a:p>
-            <a:endParaRPr lang="en-CA" dirty="0"/>
+              <a:rPr lang="en-CA" dirty="0"/>
+              <a:t>Albina</a:t>
+            </a:r>
           </a:p>
         </p:txBody>
       </p:sp>
@@ -932,7 +1090,7 @@
           <a:p>
             <a:fld id="{188F1977-5685-4D41-84BF-DDDC42B2FD8A}" type="slidenum">
               <a:rPr lang="en-CA" smtClean="0"/>
-              <a:t>5</a:t>
+              <a:t>4</a:t>
             </a:fld>
             <a:endParaRPr lang="en-CA"/>
           </a:p>
@@ -941,7 +1099,7 @@
     </p:spTree>
     <p:extLst>
       <p:ext uri="{BB962C8B-B14F-4D97-AF65-F5344CB8AC3E}">
-        <p14:creationId xmlns:p14="http://schemas.microsoft.com/office/powerpoint/2010/main" val="3032434615"/>
+        <p14:creationId xmlns:p14="http://schemas.microsoft.com/office/powerpoint/2010/main" val="2040008611"/>
       </p:ext>
     </p:extLst>
   </p:cSld>
@@ -995,10 +1153,37 @@
           <a:bodyPr/>
           <a:lstStyle/>
           <a:p>
-            <a:pPr marL="0" indent="0">
+            <a:pPr marL="0" marR="0" lvl="0" indent="0" algn="l" defTabSz="914400" rtl="0" eaLnBrk="1" fontAlgn="auto" latinLnBrk="0" hangingPunct="1">
+              <a:lnSpc>
+                <a:spcPct val="100000"/>
+              </a:lnSpc>
+              <a:spcBef>
+                <a:spcPts val="0"/>
+              </a:spcBef>
+              <a:spcAft>
+                <a:spcPts val="0"/>
+              </a:spcAft>
+              <a:buClrTx/>
+              <a:buSzTx/>
               <a:buFontTx/>
               <a:buNone/>
+              <a:tabLst/>
+              <a:defRPr/>
             </a:pPr>
+            <a:r>
+              <a:rPr lang="en-CA" sz="1200" b="0" i="0" kern="1200" dirty="0">
+                <a:solidFill>
+                  <a:schemeClr val="tx1"/>
+                </a:solidFill>
+                <a:effectLst/>
+                <a:latin typeface="+mn-lt"/>
+                <a:ea typeface="+mn-ea"/>
+                <a:cs typeface="+mn-cs"/>
+              </a:rPr>
+              <a:t>Nik</a:t>
+            </a:r>
+          </a:p>
+          <a:p>
             <a:endParaRPr lang="en-CA" dirty="0"/>
           </a:p>
         </p:txBody>
@@ -1020,7 +1205,7 @@
           <a:p>
             <a:fld id="{188F1977-5685-4D41-84BF-DDDC42B2FD8A}" type="slidenum">
               <a:rPr lang="en-CA" smtClean="0"/>
-              <a:t>6</a:t>
+              <a:t>5</a:t>
             </a:fld>
             <a:endParaRPr lang="en-CA"/>
           </a:p>
@@ -1029,7 +1214,7 @@
     </p:spTree>
     <p:extLst>
       <p:ext uri="{BB962C8B-B14F-4D97-AF65-F5344CB8AC3E}">
-        <p14:creationId xmlns:p14="http://schemas.microsoft.com/office/powerpoint/2010/main" val="4244008063"/>
+        <p14:creationId xmlns:p14="http://schemas.microsoft.com/office/powerpoint/2010/main" val="3032434615"/>
       </p:ext>
     </p:extLst>
   </p:cSld>
@@ -1083,6 +1268,29 @@
           <a:bodyPr/>
           <a:lstStyle/>
           <a:p>
+            <a:pPr marL="0" marR="0" lvl="0" indent="0" algn="l" defTabSz="914400" rtl="0" eaLnBrk="1" fontAlgn="auto" latinLnBrk="0" hangingPunct="1">
+              <a:lnSpc>
+                <a:spcPct val="100000"/>
+              </a:lnSpc>
+              <a:spcBef>
+                <a:spcPts val="0"/>
+              </a:spcBef>
+              <a:spcAft>
+                <a:spcPts val="0"/>
+              </a:spcAft>
+              <a:buClrTx/>
+              <a:buSzTx/>
+              <a:buFontTx/>
+              <a:buNone/>
+              <a:tabLst/>
+              <a:defRPr/>
+            </a:pPr>
+            <a:r>
+              <a:rPr lang="en-CA" dirty="0"/>
+              <a:t>Albina</a:t>
+            </a:r>
+          </a:p>
+          <a:p>
             <a:pPr marL="0" indent="0">
               <a:buFontTx/>
               <a:buNone/>
@@ -1108,7 +1316,7 @@
           <a:p>
             <a:fld id="{188F1977-5685-4D41-84BF-DDDC42B2FD8A}" type="slidenum">
               <a:rPr lang="en-CA" smtClean="0"/>
-              <a:t>7</a:t>
+              <a:t>6</a:t>
             </a:fld>
             <a:endParaRPr lang="en-CA"/>
           </a:p>
@@ -1117,7 +1325,7 @@
     </p:spTree>
     <p:extLst>
       <p:ext uri="{BB962C8B-B14F-4D97-AF65-F5344CB8AC3E}">
-        <p14:creationId xmlns:p14="http://schemas.microsoft.com/office/powerpoint/2010/main" val="31904599"/>
+        <p14:creationId xmlns:p14="http://schemas.microsoft.com/office/powerpoint/2010/main" val="935713681"/>
       </p:ext>
     </p:extLst>
   </p:cSld>
@@ -1171,6 +1379,162 @@
           <a:bodyPr/>
           <a:lstStyle/>
           <a:p>
+            <a:pPr marL="0" indent="0">
+              <a:buFontTx/>
+              <a:buNone/>
+            </a:pPr>
+            <a:r>
+              <a:rPr lang="en-CA" dirty="0"/>
+              <a:t>Nik</a:t>
+            </a:r>
+          </a:p>
+        </p:txBody>
+      </p:sp>
+      <p:sp>
+        <p:nvSpPr>
+          <p:cNvPr id="4" name="Slide Number Placeholder 3"/>
+          <p:cNvSpPr>
+            <a:spLocks noGrp="1"/>
+          </p:cNvSpPr>
+          <p:nvPr>
+            <p:ph type="sldNum" sz="quarter" idx="10"/>
+          </p:nvPr>
+        </p:nvSpPr>
+        <p:spPr/>
+        <p:txBody>
+          <a:bodyPr/>
+          <a:lstStyle/>
+          <a:p>
+            <a:fld id="{188F1977-5685-4D41-84BF-DDDC42B2FD8A}" type="slidenum">
+              <a:rPr lang="en-CA" smtClean="0"/>
+              <a:t>7</a:t>
+            </a:fld>
+            <a:endParaRPr lang="en-CA"/>
+          </a:p>
+        </p:txBody>
+      </p:sp>
+    </p:spTree>
+    <p:extLst>
+      <p:ext uri="{BB962C8B-B14F-4D97-AF65-F5344CB8AC3E}">
+        <p14:creationId xmlns:p14="http://schemas.microsoft.com/office/powerpoint/2010/main" val="4003741195"/>
+      </p:ext>
+    </p:extLst>
+  </p:cSld>
+  <p:clrMapOvr>
+    <a:masterClrMapping/>
+  </p:clrMapOvr>
+</p:notes>
+</file>
+
+<file path=ppt/notesSlides/notesSlide8.xml><?xml version="1.0" encoding="utf-8"?>
+<p:notes xmlns:a="http://schemas.openxmlformats.org/drawingml/2006/main" xmlns:r="http://schemas.openxmlformats.org/officeDocument/2006/relationships" xmlns:p="http://schemas.openxmlformats.org/presentationml/2006/main">
+  <p:cSld>
+    <p:spTree>
+      <p:nvGrpSpPr>
+        <p:cNvPr id="1" name=""/>
+        <p:cNvGrpSpPr/>
+        <p:nvPr/>
+      </p:nvGrpSpPr>
+      <p:grpSpPr>
+        <a:xfrm>
+          <a:off x="0" y="0"/>
+          <a:ext cx="0" cy="0"/>
+          <a:chOff x="0" y="0"/>
+          <a:chExt cx="0" cy="0"/>
+        </a:xfrm>
+      </p:grpSpPr>
+      <p:sp>
+        <p:nvSpPr>
+          <p:cNvPr id="2" name="Slide Image Placeholder 1"/>
+          <p:cNvSpPr>
+            <a:spLocks noGrp="1" noRot="1" noChangeAspect="1"/>
+          </p:cNvSpPr>
+          <p:nvPr>
+            <p:ph type="sldImg"/>
+          </p:nvPr>
+        </p:nvSpPr>
+        <p:spPr/>
+      </p:sp>
+      <p:sp>
+        <p:nvSpPr>
+          <p:cNvPr id="3" name="Notes Placeholder 2"/>
+          <p:cNvSpPr>
+            <a:spLocks noGrp="1"/>
+          </p:cNvSpPr>
+          <p:nvPr>
+            <p:ph type="body" idx="1"/>
+          </p:nvPr>
+        </p:nvSpPr>
+        <p:spPr/>
+        <p:txBody>
+          <a:bodyPr/>
+          <a:lstStyle/>
+          <a:p>
+            <a:pPr marL="0" marR="0" lvl="0" indent="0" algn="l" defTabSz="914400" rtl="0" eaLnBrk="1" fontAlgn="auto" latinLnBrk="0" hangingPunct="1">
+              <a:lnSpc>
+                <a:spcPct val="100000"/>
+              </a:lnSpc>
+              <a:spcBef>
+                <a:spcPts val="0"/>
+              </a:spcBef>
+              <a:spcAft>
+                <a:spcPts val="0"/>
+              </a:spcAft>
+              <a:buClrTx/>
+              <a:buSzTx/>
+              <a:buFont typeface="Courier New" panose="02070309020205020404" pitchFamily="49" charset="0"/>
+              <a:buNone/>
+              <a:tabLst/>
+              <a:defRPr/>
+            </a:pPr>
+            <a:r>
+              <a:rPr lang="en-CA" dirty="0"/>
+              <a:t>Albina</a:t>
+            </a:r>
+            <a:endParaRPr lang="en-CA" sz="1200" dirty="0"/>
+          </a:p>
+          <a:p>
+            <a:pPr>
+              <a:buFont typeface="Courier New" panose="02070309020205020404" pitchFamily="49" charset="0"/>
+              <a:buNone/>
+            </a:pPr>
+            <a:endParaRPr lang="en-CA" sz="1200" dirty="0"/>
+          </a:p>
+          <a:p>
+            <a:pPr>
+              <a:buFont typeface="Courier New" panose="02070309020205020404" pitchFamily="49" charset="0"/>
+              <a:buChar char="o"/>
+            </a:pPr>
+            <a:r>
+              <a:rPr lang="en-CA" sz="1200" dirty="0"/>
+              <a:t>Cluster A1: gender and income</a:t>
+            </a:r>
+          </a:p>
+          <a:p>
+            <a:pPr>
+              <a:buFont typeface="Courier New" panose="02070309020205020404" pitchFamily="49" charset="0"/>
+              <a:buChar char="o"/>
+            </a:pPr>
+            <a:r>
+              <a:rPr lang="en-CA" sz="1200" dirty="0"/>
+              <a:t>Cluster A2: marital status/children/years with bank/age</a:t>
+            </a:r>
+          </a:p>
+          <a:p>
+            <a:pPr>
+              <a:buFont typeface="Courier New" panose="02070309020205020404" pitchFamily="49" charset="0"/>
+              <a:buChar char="o"/>
+            </a:pPr>
+            <a:r>
+              <a:rPr lang="en-CA" sz="1200" dirty="0"/>
+              <a:t>Cluster B: marital status &amp; children</a:t>
+            </a:r>
+          </a:p>
+          <a:p>
+            <a:pPr marL="0" indent="0">
+              <a:buFontTx/>
+              <a:buNone/>
+            </a:pPr>
             <a:endParaRPr lang="en-CA" dirty="0"/>
           </a:p>
         </p:txBody>
@@ -1201,7 +1565,98 @@
     </p:spTree>
     <p:extLst>
       <p:ext uri="{BB962C8B-B14F-4D97-AF65-F5344CB8AC3E}">
-        <p14:creationId xmlns:p14="http://schemas.microsoft.com/office/powerpoint/2010/main" val="951164770"/>
+        <p14:creationId xmlns:p14="http://schemas.microsoft.com/office/powerpoint/2010/main" val="4244008063"/>
+      </p:ext>
+    </p:extLst>
+  </p:cSld>
+  <p:clrMapOvr>
+    <a:masterClrMapping/>
+  </p:clrMapOvr>
+</p:notes>
+</file>
+
+<file path=ppt/notesSlides/notesSlide9.xml><?xml version="1.0" encoding="utf-8"?>
+<p:notes xmlns:a="http://schemas.openxmlformats.org/drawingml/2006/main" xmlns:r="http://schemas.openxmlformats.org/officeDocument/2006/relationships" xmlns:p="http://schemas.openxmlformats.org/presentationml/2006/main">
+  <p:cSld>
+    <p:spTree>
+      <p:nvGrpSpPr>
+        <p:cNvPr id="1" name=""/>
+        <p:cNvGrpSpPr/>
+        <p:nvPr/>
+      </p:nvGrpSpPr>
+      <p:grpSpPr>
+        <a:xfrm>
+          <a:off x="0" y="0"/>
+          <a:ext cx="0" cy="0"/>
+          <a:chOff x="0" y="0"/>
+          <a:chExt cx="0" cy="0"/>
+        </a:xfrm>
+      </p:grpSpPr>
+      <p:sp>
+        <p:nvSpPr>
+          <p:cNvPr id="2" name="Slide Image Placeholder 1"/>
+          <p:cNvSpPr>
+            <a:spLocks noGrp="1" noRot="1" noChangeAspect="1"/>
+          </p:cNvSpPr>
+          <p:nvPr>
+            <p:ph type="sldImg"/>
+          </p:nvPr>
+        </p:nvSpPr>
+        <p:spPr/>
+      </p:sp>
+      <p:sp>
+        <p:nvSpPr>
+          <p:cNvPr id="3" name="Notes Placeholder 2"/>
+          <p:cNvSpPr>
+            <a:spLocks noGrp="1"/>
+          </p:cNvSpPr>
+          <p:nvPr>
+            <p:ph type="body" idx="1"/>
+          </p:nvPr>
+        </p:nvSpPr>
+        <p:spPr/>
+        <p:txBody>
+          <a:bodyPr/>
+          <a:lstStyle/>
+          <a:p>
+            <a:pPr marL="0" indent="0">
+              <a:buFontTx/>
+              <a:buNone/>
+            </a:pPr>
+            <a:r>
+              <a:rPr lang="en-CA" dirty="0"/>
+              <a:t>Nik</a:t>
+            </a:r>
+          </a:p>
+        </p:txBody>
+      </p:sp>
+      <p:sp>
+        <p:nvSpPr>
+          <p:cNvPr id="4" name="Slide Number Placeholder 3"/>
+          <p:cNvSpPr>
+            <a:spLocks noGrp="1"/>
+          </p:cNvSpPr>
+          <p:nvPr>
+            <p:ph type="sldNum" sz="quarter" idx="10"/>
+          </p:nvPr>
+        </p:nvSpPr>
+        <p:spPr/>
+        <p:txBody>
+          <a:bodyPr/>
+          <a:lstStyle/>
+          <a:p>
+            <a:fld id="{188F1977-5685-4D41-84BF-DDDC42B2FD8A}" type="slidenum">
+              <a:rPr lang="en-CA" smtClean="0"/>
+              <a:t>9</a:t>
+            </a:fld>
+            <a:endParaRPr lang="en-CA"/>
+          </a:p>
+        </p:txBody>
+      </p:sp>
+    </p:spTree>
+    <p:extLst>
+      <p:ext uri="{BB962C8B-B14F-4D97-AF65-F5344CB8AC3E}">
+        <p14:creationId xmlns:p14="http://schemas.microsoft.com/office/powerpoint/2010/main" val="31904599"/>
       </p:ext>
     </p:extLst>
   </p:cSld>
@@ -1713,7 +2168,7 @@
           <a:p>
             <a:fld id="{52A40D1F-8DC8-452B-B505-1D78AF183F5D}" type="datetimeFigureOut">
               <a:rPr lang="en-CA" smtClean="0"/>
-              <a:t>8/11/2021</a:t>
+              <a:t>8/12/2021</a:t>
             </a:fld>
             <a:endParaRPr lang="en-CA"/>
           </a:p>
@@ -2009,7 +2464,7 @@
           <a:p>
             <a:fld id="{52A40D1F-8DC8-452B-B505-1D78AF183F5D}" type="datetimeFigureOut">
               <a:rPr lang="en-CA" smtClean="0"/>
-              <a:t>8/11/2021</a:t>
+              <a:t>8/12/2021</a:t>
             </a:fld>
             <a:endParaRPr lang="en-CA"/>
           </a:p>
@@ -2257,7 +2712,7 @@
           <a:p>
             <a:fld id="{52A40D1F-8DC8-452B-B505-1D78AF183F5D}" type="datetimeFigureOut">
               <a:rPr lang="en-CA" smtClean="0"/>
-              <a:t>8/11/2021</a:t>
+              <a:t>8/12/2021</a:t>
             </a:fld>
             <a:endParaRPr lang="en-CA"/>
           </a:p>
@@ -2797,7 +3252,7 @@
           <a:p>
             <a:fld id="{52A40D1F-8DC8-452B-B505-1D78AF183F5D}" type="datetimeFigureOut">
               <a:rPr lang="en-CA" smtClean="0"/>
-              <a:t>8/11/2021</a:t>
+              <a:t>8/12/2021</a:t>
             </a:fld>
             <a:endParaRPr lang="en-CA"/>
           </a:p>
@@ -3045,7 +3500,7 @@
           <a:p>
             <a:fld id="{52A40D1F-8DC8-452B-B505-1D78AF183F5D}" type="datetimeFigureOut">
               <a:rPr lang="en-CA" smtClean="0"/>
-              <a:t>8/11/2021</a:t>
+              <a:t>8/12/2021</a:t>
             </a:fld>
             <a:endParaRPr lang="en-CA"/>
           </a:p>
@@ -3577,7 +4032,7 @@
           <a:p>
             <a:fld id="{52A40D1F-8DC8-452B-B505-1D78AF183F5D}" type="datetimeFigureOut">
               <a:rPr lang="en-CA" smtClean="0"/>
-              <a:t>8/11/2021</a:t>
+              <a:t>8/12/2021</a:t>
             </a:fld>
             <a:endParaRPr lang="en-CA"/>
           </a:p>
@@ -3874,7 +4329,7 @@
           <a:p>
             <a:fld id="{52A40D1F-8DC8-452B-B505-1D78AF183F5D}" type="datetimeFigureOut">
               <a:rPr lang="en-CA" smtClean="0"/>
-              <a:t>8/11/2021</a:t>
+              <a:t>8/12/2021</a:t>
             </a:fld>
             <a:endParaRPr lang="en-CA"/>
           </a:p>
@@ -4048,7 +4503,7 @@
           <a:p>
             <a:fld id="{52A40D1F-8DC8-452B-B505-1D78AF183F5D}" type="datetimeFigureOut">
               <a:rPr lang="en-CA" smtClean="0"/>
-              <a:t>8/11/2021</a:t>
+              <a:t>8/12/2021</a:t>
             </a:fld>
             <a:endParaRPr lang="en-CA"/>
           </a:p>
@@ -4228,7 +4683,7 @@
           <a:p>
             <a:fld id="{52A40D1F-8DC8-452B-B505-1D78AF183F5D}" type="datetimeFigureOut">
               <a:rPr lang="en-CA" smtClean="0"/>
-              <a:t>8/11/2021</a:t>
+              <a:t>8/12/2021</a:t>
             </a:fld>
             <a:endParaRPr lang="en-CA"/>
           </a:p>
@@ -4398,7 +4853,7 @@
           <a:p>
             <a:fld id="{52A40D1F-8DC8-452B-B505-1D78AF183F5D}" type="datetimeFigureOut">
               <a:rPr lang="en-CA" smtClean="0"/>
-              <a:t>8/11/2021</a:t>
+              <a:t>8/12/2021</a:t>
             </a:fld>
             <a:endParaRPr lang="en-CA"/>
           </a:p>
@@ -4649,7 +5104,7 @@
           <a:p>
             <a:fld id="{52A40D1F-8DC8-452B-B505-1D78AF183F5D}" type="datetimeFigureOut">
               <a:rPr lang="en-CA" smtClean="0"/>
-              <a:t>8/11/2021</a:t>
+              <a:t>8/12/2021</a:t>
             </a:fld>
             <a:endParaRPr lang="en-CA"/>
           </a:p>
@@ -4946,7 +5401,7 @@
           <a:p>
             <a:fld id="{52A40D1F-8DC8-452B-B505-1D78AF183F5D}" type="datetimeFigureOut">
               <a:rPr lang="en-CA" smtClean="0"/>
-              <a:t>8/11/2021</a:t>
+              <a:t>8/12/2021</a:t>
             </a:fld>
             <a:endParaRPr lang="en-CA"/>
           </a:p>
@@ -5388,7 +5843,7 @@
           <a:p>
             <a:fld id="{52A40D1F-8DC8-452B-B505-1D78AF183F5D}" type="datetimeFigureOut">
               <a:rPr lang="en-CA" smtClean="0"/>
-              <a:t>8/11/2021</a:t>
+              <a:t>8/12/2021</a:t>
             </a:fld>
             <a:endParaRPr lang="en-CA"/>
           </a:p>
@@ -5506,7 +5961,7 @@
           <a:p>
             <a:fld id="{52A40D1F-8DC8-452B-B505-1D78AF183F5D}" type="datetimeFigureOut">
               <a:rPr lang="en-CA" smtClean="0"/>
-              <a:t>8/11/2021</a:t>
+              <a:t>8/12/2021</a:t>
             </a:fld>
             <a:endParaRPr lang="en-CA"/>
           </a:p>
@@ -5601,7 +6056,7 @@
           <a:p>
             <a:fld id="{52A40D1F-8DC8-452B-B505-1D78AF183F5D}" type="datetimeFigureOut">
               <a:rPr lang="en-CA" smtClean="0"/>
-              <a:t>8/11/2021</a:t>
+              <a:t>8/12/2021</a:t>
             </a:fld>
             <a:endParaRPr lang="en-CA"/>
           </a:p>
@@ -5884,7 +6339,7 @@
           <a:p>
             <a:fld id="{52A40D1F-8DC8-452B-B505-1D78AF183F5D}" type="datetimeFigureOut">
               <a:rPr lang="en-CA" smtClean="0"/>
-              <a:t>8/11/2021</a:t>
+              <a:t>8/12/2021</a:t>
             </a:fld>
             <a:endParaRPr lang="en-CA"/>
           </a:p>
@@ -6175,7 +6630,7 @@
           <a:p>
             <a:fld id="{52A40D1F-8DC8-452B-B505-1D78AF183F5D}" type="datetimeFigureOut">
               <a:rPr lang="en-CA" smtClean="0"/>
-              <a:t>8/11/2021</a:t>
+              <a:t>8/12/2021</a:t>
             </a:fld>
             <a:endParaRPr lang="en-CA"/>
           </a:p>
@@ -6705,7 +7160,7 @@
           <a:p>
             <a:fld id="{52A40D1F-8DC8-452B-B505-1D78AF183F5D}" type="datetimeFigureOut">
               <a:rPr lang="en-CA" smtClean="0"/>
-              <a:t>8/11/2021</a:t>
+              <a:t>8/12/2021</a:t>
             </a:fld>
             <a:endParaRPr lang="en-CA"/>
           </a:p>
@@ -7330,6 +7785,109 @@
 </p:sld>
 </file>
 
+<file path=ppt/slides/slide10.xml><?xml version="1.0" encoding="utf-8"?>
+<p:sld xmlns:a="http://schemas.openxmlformats.org/drawingml/2006/main" xmlns:r="http://schemas.openxmlformats.org/officeDocument/2006/relationships" xmlns:p="http://schemas.openxmlformats.org/presentationml/2006/main">
+  <p:cSld>
+    <p:spTree>
+      <p:nvGrpSpPr>
+        <p:cNvPr id="1" name=""/>
+        <p:cNvGrpSpPr/>
+        <p:nvPr/>
+      </p:nvGrpSpPr>
+      <p:grpSpPr>
+        <a:xfrm>
+          <a:off x="0" y="0"/>
+          <a:ext cx="0" cy="0"/>
+          <a:chOff x="0" y="0"/>
+          <a:chExt cx="0" cy="0"/>
+        </a:xfrm>
+      </p:grpSpPr>
+      <p:sp>
+        <p:nvSpPr>
+          <p:cNvPr id="2" name="Title 1"/>
+          <p:cNvSpPr>
+            <a:spLocks noGrp="1"/>
+          </p:cNvSpPr>
+          <p:nvPr>
+            <p:ph type="title"/>
+          </p:nvPr>
+        </p:nvSpPr>
+        <p:spPr>
+          <a:xfrm>
+            <a:off x="1484311" y="0"/>
+            <a:ext cx="10018713" cy="1752599"/>
+          </a:xfrm>
+        </p:spPr>
+        <p:txBody>
+          <a:bodyPr>
+            <a:normAutofit/>
+          </a:bodyPr>
+          <a:lstStyle/>
+          <a:p>
+            <a:r>
+              <a:rPr lang="en-CA" sz="5400" dirty="0"/>
+              <a:t>Challenges</a:t>
+            </a:r>
+          </a:p>
+        </p:txBody>
+      </p:sp>
+      <p:sp>
+        <p:nvSpPr>
+          <p:cNvPr id="8" name="Content Placeholder 7"/>
+          <p:cNvSpPr>
+            <a:spLocks noGrp="1"/>
+          </p:cNvSpPr>
+          <p:nvPr>
+            <p:ph idx="1"/>
+          </p:nvPr>
+        </p:nvSpPr>
+        <p:spPr>
+          <a:xfrm>
+            <a:off x="1484310" y="1752599"/>
+            <a:ext cx="10018713" cy="3863332"/>
+          </a:xfrm>
+        </p:spPr>
+        <p:txBody>
+          <a:bodyPr anchor="t">
+            <a:normAutofit/>
+          </a:bodyPr>
+          <a:lstStyle/>
+          <a:p>
+            <a:endParaRPr lang="en-CA" sz="3600" dirty="0"/>
+          </a:p>
+          <a:p>
+            <a:r>
+              <a:rPr lang="en-CA" sz="3600" dirty="0"/>
+              <a:t>Feature selection/engineering</a:t>
+            </a:r>
+          </a:p>
+          <a:p>
+            <a:endParaRPr lang="en-CA" sz="3600" dirty="0"/>
+          </a:p>
+          <a:p>
+            <a:r>
+              <a:rPr lang="en-CA" sz="3600" dirty="0"/>
+              <a:t>Limited database information</a:t>
+            </a:r>
+          </a:p>
+          <a:p>
+            <a:endParaRPr lang="en-CA" sz="3600" dirty="0"/>
+          </a:p>
+        </p:txBody>
+      </p:sp>
+    </p:spTree>
+    <p:extLst>
+      <p:ext uri="{BB962C8B-B14F-4D97-AF65-F5344CB8AC3E}">
+        <p14:creationId xmlns:p14="http://schemas.microsoft.com/office/powerpoint/2010/main" val="1960209316"/>
+      </p:ext>
+    </p:extLst>
+  </p:cSld>
+  <p:clrMapOvr>
+    <a:masterClrMapping/>
+  </p:clrMapOvr>
+</p:sld>
+</file>
+
 <file path=ppt/slides/slide2.xml><?xml version="1.0" encoding="utf-8"?>
 <p:sld xmlns:a="http://schemas.openxmlformats.org/drawingml/2006/main" xmlns:r="http://schemas.openxmlformats.org/officeDocument/2006/relationships" xmlns:p="http://schemas.openxmlformats.org/presentationml/2006/main">
   <p:cSld>
@@ -7902,7 +8460,7 @@
             </a:pPr>
             <a:r>
               <a:rPr lang="en-CA" sz="2000" dirty="0"/>
-              <a:t>GIC plan</a:t>
+              <a:t>Investment plan</a:t>
             </a:r>
           </a:p>
           <a:p>
@@ -8382,7 +8940,7 @@
         </p:nvSpPr>
         <p:spPr>
           <a:xfrm>
-            <a:off x="4351580" y="1888350"/>
+            <a:off x="437422" y="1068365"/>
             <a:ext cx="4284174" cy="523220"/>
           </a:xfrm>
           <a:prstGeom prst="rect">
@@ -8406,7 +8964,7 @@
       </p:sp>
       <p:pic>
         <p:nvPicPr>
-          <p:cNvPr id="4" name="Content Placeholder 3"/>
+          <p:cNvPr id="6" name="Content Placeholder 5"/>
           <p:cNvPicPr>
             <a:picLocks noGrp="1" noChangeAspect="1"/>
           </p:cNvPicPr>
@@ -8428,8 +8986,8 @@
         </p:blipFill>
         <p:spPr>
           <a:xfrm>
-            <a:off x="99235" y="3375829"/>
-            <a:ext cx="11951430" cy="2464741"/>
+            <a:off x="1028383" y="1953790"/>
+            <a:ext cx="10769729" cy="4552265"/>
           </a:xfrm>
         </p:spPr>
       </p:pic>
@@ -8597,7 +9155,7 @@
         </p:nvSpPr>
         <p:spPr>
           <a:xfrm>
-            <a:off x="8861712" y="3693432"/>
+            <a:off x="8861712" y="3299661"/>
             <a:ext cx="2273526" cy="1378087"/>
           </a:xfrm>
           <a:prstGeom prst="rect">
@@ -9172,7 +9730,7 @@
             </a:pPr>
             <a:r>
               <a:rPr lang="en-CA" sz="2000" dirty="0"/>
-              <a:t>Robust</a:t>
+              <a:t> Robust</a:t>
             </a:r>
           </a:p>
         </p:txBody>
@@ -9488,137 +10046,7 @@
           <a:p>
             <a:r>
               <a:rPr lang="en-CA" sz="3600" dirty="0"/>
-              <a:t>Based on demographics:</a:t>
-            </a:r>
-          </a:p>
-        </p:txBody>
-      </p:sp>
-      <p:sp>
-        <p:nvSpPr>
-          <p:cNvPr id="15" name="TextBox 14"/>
-          <p:cNvSpPr txBox="1"/>
-          <p:nvPr/>
-        </p:nvSpPr>
-        <p:spPr>
-          <a:xfrm>
-            <a:off x="1304360" y="2045424"/>
-            <a:ext cx="2175622" cy="369332"/>
-          </a:xfrm>
-          <a:prstGeom prst="rect">
-            <a:avLst/>
-          </a:prstGeom>
-          <a:noFill/>
-        </p:spPr>
-        <p:txBody>
-          <a:bodyPr wrap="square" rtlCol="0">
-            <a:spAutoFit/>
-          </a:bodyPr>
-          <a:lstStyle/>
-          <a:p>
-            <a:r>
-              <a:rPr lang="en-CA" dirty="0" err="1"/>
-              <a:t>MinMax</a:t>
-            </a:r>
-            <a:r>
-              <a:rPr lang="en-CA" dirty="0"/>
-              <a:t>, </a:t>
-            </a:r>
-            <a:r>
-              <a:rPr lang="en-CA" dirty="0" err="1"/>
-              <a:t>Aggl</a:t>
-            </a:r>
-            <a:r>
-              <a:rPr lang="en-CA" dirty="0"/>
-              <a:t>., n = 3</a:t>
-            </a:r>
-          </a:p>
-        </p:txBody>
-      </p:sp>
-      <p:pic>
-        <p:nvPicPr>
-          <p:cNvPr id="3" name="Picture 2"/>
-          <p:cNvPicPr>
-            <a:picLocks noChangeAspect="1"/>
-          </p:cNvPicPr>
-          <p:nvPr/>
-        </p:nvPicPr>
-        <p:blipFill>
-          <a:blip r:embed="rId4"/>
-          <a:stretch>
-            <a:fillRect/>
-          </a:stretch>
-        </p:blipFill>
-        <p:spPr>
-          <a:xfrm>
-            <a:off x="720472" y="2508502"/>
-            <a:ext cx="3180528" cy="2253606"/>
-          </a:xfrm>
-          <a:prstGeom prst="rect">
-            <a:avLst/>
-          </a:prstGeom>
-        </p:spPr>
-      </p:pic>
-      <p:pic>
-        <p:nvPicPr>
-          <p:cNvPr id="5" name="Picture 4"/>
-          <p:cNvPicPr>
-            <a:picLocks noChangeAspect="1"/>
-          </p:cNvPicPr>
-          <p:nvPr/>
-        </p:nvPicPr>
-        <p:blipFill>
-          <a:blip r:embed="rId5"/>
-          <a:stretch>
-            <a:fillRect/>
-          </a:stretch>
-        </p:blipFill>
-        <p:spPr>
-          <a:xfrm>
-            <a:off x="4543310" y="2508502"/>
-            <a:ext cx="3132387" cy="2244951"/>
-          </a:xfrm>
-          <a:prstGeom prst="rect">
-            <a:avLst/>
-          </a:prstGeom>
-        </p:spPr>
-      </p:pic>
-      <p:sp>
-        <p:nvSpPr>
-          <p:cNvPr id="18" name="TextBox 17"/>
-          <p:cNvSpPr txBox="1"/>
-          <p:nvPr/>
-        </p:nvSpPr>
-        <p:spPr>
-          <a:xfrm>
-            <a:off x="5021692" y="2048910"/>
-            <a:ext cx="2175622" cy="369332"/>
-          </a:xfrm>
-          <a:prstGeom prst="rect">
-            <a:avLst/>
-          </a:prstGeom>
-          <a:noFill/>
-        </p:spPr>
-        <p:txBody>
-          <a:bodyPr wrap="square" rtlCol="0">
-            <a:spAutoFit/>
-          </a:bodyPr>
-          <a:lstStyle/>
-          <a:p>
-            <a:r>
-              <a:rPr lang="en-CA" dirty="0" err="1"/>
-              <a:t>MinMax</a:t>
-            </a:r>
-            <a:r>
-              <a:rPr lang="en-CA" dirty="0"/>
-              <a:t>, </a:t>
-            </a:r>
-            <a:r>
-              <a:rPr lang="en-CA" dirty="0" err="1"/>
-              <a:t>Aggl</a:t>
-            </a:r>
-            <a:r>
-              <a:rPr lang="en-CA" dirty="0"/>
-              <a:t>., n = 3</a:t>
+              <a:t>Initial analysis:</a:t>
             </a:r>
           </a:p>
         </p:txBody>
@@ -9634,7 +10062,7 @@
         <p:spPr>
           <a:xfrm>
             <a:off x="906985" y="4983343"/>
-            <a:ext cx="6423745" cy="1767721"/>
+            <a:ext cx="8639624" cy="1767721"/>
           </a:xfrm>
           <a:prstGeom prst="rect">
             <a:avLst/>
@@ -9887,7 +10315,7 @@
             </a:pPr>
             <a:r>
               <a:rPr lang="en-CA" sz="2000" dirty="0"/>
-              <a:t>1</a:t>
+              <a:t>Can potentially avoid debt-prone states</a:t>
             </a:r>
           </a:p>
           <a:p>
@@ -9897,7 +10325,7 @@
             </a:pPr>
             <a:r>
               <a:rPr lang="en-CA" sz="2000" dirty="0"/>
-              <a:t>2</a:t>
+              <a:t>Target states with high checking averages to open savings accounts</a:t>
             </a:r>
           </a:p>
           <a:p>
@@ -9905,17 +10333,44 @@
               <a:buFont typeface="Courier New" panose="02070309020205020404" pitchFamily="49" charset="0"/>
               <a:buChar char="o"/>
             </a:pPr>
-            <a:r>
-              <a:rPr lang="en-CA" sz="2000" dirty="0"/>
-              <a:t>3</a:t>
-            </a:r>
-          </a:p>
-        </p:txBody>
-      </p:sp>
+            <a:endParaRPr lang="en-CA" sz="2000" dirty="0"/>
+          </a:p>
+        </p:txBody>
+      </p:sp>
+      <p:pic>
+        <p:nvPicPr>
+          <p:cNvPr id="3" name="Picture 2"/>
+          <p:cNvPicPr>
+            <a:picLocks noChangeAspect="1"/>
+          </p:cNvPicPr>
+          <p:nvPr/>
+        </p:nvPicPr>
+        <p:blipFill>
+          <a:blip r:embed="rId4">
+            <a:extLst>
+              <a:ext uri="{28A0092B-C50C-407E-A947-70E740481C1C}">
+                <a14:useLocalDpi xmlns:a14="http://schemas.microsoft.com/office/drawing/2010/main" val="0"/>
+              </a:ext>
+            </a:extLst>
+          </a:blip>
+          <a:stretch>
+            <a:fillRect/>
+          </a:stretch>
+        </p:blipFill>
+        <p:spPr>
+          <a:xfrm>
+            <a:off x="1484310" y="2119039"/>
+            <a:ext cx="8775510" cy="2643069"/>
+          </a:xfrm>
+          <a:prstGeom prst="rect">
+            <a:avLst/>
+          </a:prstGeom>
+        </p:spPr>
+      </p:pic>
     </p:spTree>
     <p:extLst>
       <p:ext uri="{BB962C8B-B14F-4D97-AF65-F5344CB8AC3E}">
-        <p14:creationId xmlns:p14="http://schemas.microsoft.com/office/powerpoint/2010/main" val="2995662968"/>
+        <p14:creationId xmlns:p14="http://schemas.microsoft.com/office/powerpoint/2010/main" val="2403659520"/>
       </p:ext>
     </p:extLst>
   </p:cSld>
@@ -10062,7 +10517,7 @@
           <a:p>
             <a:r>
               <a:rPr lang="en-CA" sz="3600" dirty="0"/>
-              <a:t>Based on banking habits:</a:t>
+              <a:t>Initial analysis:</a:t>
             </a:r>
           </a:p>
         </p:txBody>
@@ -10078,7 +10533,7 @@
         <p:spPr>
           <a:xfrm>
             <a:off x="906985" y="4983343"/>
-            <a:ext cx="6423745" cy="1767721"/>
+            <a:ext cx="8639624" cy="1767721"/>
           </a:xfrm>
           <a:prstGeom prst="rect">
             <a:avLst/>
@@ -10331,7 +10786,7 @@
             </a:pPr>
             <a:r>
               <a:rPr lang="en-CA" sz="2000" dirty="0"/>
-              <a:t>1</a:t>
+              <a:t>Create more branches in wealthy states</a:t>
             </a:r>
           </a:p>
           <a:p>
@@ -10341,7 +10796,7 @@
             </a:pPr>
             <a:r>
               <a:rPr lang="en-CA" sz="2000" dirty="0"/>
-              <a:t>2</a:t>
+              <a:t>Advertise loans in less wealthy states</a:t>
             </a:r>
           </a:p>
           <a:p>
@@ -10349,157 +10804,10 @@
               <a:buFont typeface="Courier New" panose="02070309020205020404" pitchFamily="49" charset="0"/>
               <a:buChar char="o"/>
             </a:pPr>
-            <a:r>
-              <a:rPr lang="en-CA" sz="2000" dirty="0"/>
-              <a:t>3</a:t>
-            </a:r>
-          </a:p>
-        </p:txBody>
-      </p:sp>
-    </p:spTree>
-    <p:extLst>
-      <p:ext uri="{BB962C8B-B14F-4D97-AF65-F5344CB8AC3E}">
-        <p14:creationId xmlns:p14="http://schemas.microsoft.com/office/powerpoint/2010/main" val="1811022527"/>
-      </p:ext>
-    </p:extLst>
-  </p:cSld>
-  <p:clrMapOvr>
-    <a:masterClrMapping/>
-  </p:clrMapOvr>
-</p:sld>
-</file>
-
-<file path=ppt/slides/slide8.xml><?xml version="1.0" encoding="utf-8"?>
-<p:sld xmlns:a="http://schemas.openxmlformats.org/drawingml/2006/main" xmlns:r="http://schemas.openxmlformats.org/officeDocument/2006/relationships" xmlns:p="http://schemas.openxmlformats.org/presentationml/2006/main">
-  <p:cSld>
-    <p:spTree>
-      <p:nvGrpSpPr>
-        <p:cNvPr id="1" name=""/>
-        <p:cNvGrpSpPr/>
-        <p:nvPr/>
-      </p:nvGrpSpPr>
-      <p:grpSpPr>
-        <a:xfrm>
-          <a:off x="0" y="0"/>
-          <a:ext cx="0" cy="0"/>
-          <a:chOff x="0" y="0"/>
-          <a:chExt cx="0" cy="0"/>
-        </a:xfrm>
-      </p:grpSpPr>
-      <p:sp>
-        <p:nvSpPr>
-          <p:cNvPr id="2" name="Title 1"/>
-          <p:cNvSpPr>
-            <a:spLocks noGrp="1"/>
-          </p:cNvSpPr>
-          <p:nvPr>
-            <p:ph type="title"/>
-          </p:nvPr>
-        </p:nvSpPr>
-        <p:spPr>
-          <a:xfrm>
-            <a:off x="1484311" y="0"/>
-            <a:ext cx="10018713" cy="1752599"/>
-          </a:xfrm>
-        </p:spPr>
-        <p:txBody>
-          <a:bodyPr>
-            <a:normAutofit/>
-          </a:bodyPr>
-          <a:lstStyle/>
-          <a:p>
-            <a:r>
-              <a:rPr lang="en-CA" sz="5400" dirty="0"/>
-              <a:t>Challenges</a:t>
-            </a:r>
-          </a:p>
-        </p:txBody>
-      </p:sp>
-      <p:sp>
-        <p:nvSpPr>
-          <p:cNvPr id="8" name="Content Placeholder 7"/>
-          <p:cNvSpPr>
-            <a:spLocks noGrp="1"/>
-          </p:cNvSpPr>
-          <p:nvPr>
-            <p:ph idx="1"/>
-          </p:nvPr>
-        </p:nvSpPr>
-        <p:spPr>
-          <a:xfrm>
-            <a:off x="1484310" y="1752599"/>
-            <a:ext cx="10018713" cy="3863332"/>
-          </a:xfrm>
-        </p:spPr>
-        <p:txBody>
-          <a:bodyPr anchor="t">
-            <a:normAutofit/>
-          </a:bodyPr>
-          <a:lstStyle/>
-          <a:p>
-            <a:endParaRPr lang="en-CA" sz="3600" dirty="0"/>
-          </a:p>
-          <a:p>
-            <a:r>
-              <a:rPr lang="en-CA" sz="3600" dirty="0"/>
-              <a:t>Feature selection</a:t>
-            </a:r>
-          </a:p>
-          <a:p>
-            <a:endParaRPr lang="en-CA" sz="3600" dirty="0"/>
-          </a:p>
-          <a:p>
-            <a:r>
-              <a:rPr lang="en-CA" sz="3600" dirty="0"/>
-              <a:t>2</a:t>
-            </a:r>
-          </a:p>
-          <a:p>
-            <a:endParaRPr lang="en-CA" sz="3600" dirty="0"/>
-          </a:p>
-        </p:txBody>
-      </p:sp>
-      <p:pic>
-        <p:nvPicPr>
-          <p:cNvPr id="5" name="Picture 6" descr="http://3.bp.blogspot.com/-tpjq61VsB8M/VDmrkLCMbyI/AAAAAAAAFeQ/c5yC893C9fg/s0/Logo%2BYelp.png"/>
-          <p:cNvPicPr>
-            <a:picLocks noChangeAspect="1" noChangeArrowheads="1"/>
-          </p:cNvPicPr>
-          <p:nvPr/>
-        </p:nvPicPr>
-        <p:blipFill>
-          <a:blip r:embed="rId3">
-            <a:extLst>
-              <a:ext uri="{28A0092B-C50C-407E-A947-70E740481C1C}">
-                <a14:useLocalDpi xmlns:a14="http://schemas.microsoft.com/office/drawing/2010/main" val="0"/>
-              </a:ext>
-            </a:extLst>
-          </a:blip>
-          <a:srcRect/>
-          <a:stretch>
-            <a:fillRect/>
-          </a:stretch>
-        </p:blipFill>
-        <p:spPr bwMode="auto">
-          <a:xfrm>
-            <a:off x="9685620" y="88609"/>
-            <a:ext cx="1036320" cy="691269"/>
-          </a:xfrm>
-          <a:prstGeom prst="rect">
-            <a:avLst/>
-          </a:prstGeom>
-          <a:noFill/>
-          <a:extLst>
-            <a:ext uri="{909E8E84-426E-40DD-AFC4-6F175D3DCCD1}">
-              <a14:hiddenFill xmlns:a14="http://schemas.microsoft.com/office/drawing/2010/main">
-                <a:solidFill>
-                  <a:srgbClr val="FFFFFF"/>
-                </a:solidFill>
-              </a14:hiddenFill>
-            </a:ext>
-          </a:extLst>
-        </p:spPr>
-      </p:pic>
+            <a:endParaRPr lang="en-CA" sz="2000" dirty="0"/>
+          </a:p>
+        </p:txBody>
+      </p:sp>
       <p:pic>
         <p:nvPicPr>
           <p:cNvPr id="6" name="Picture 5"/>
@@ -10522,8 +10830,8 @@
         </p:blipFill>
         <p:spPr>
           <a:xfrm>
-            <a:off x="10721940" y="340941"/>
-            <a:ext cx="1418308" cy="237252"/>
+            <a:off x="1986173" y="2198413"/>
+            <a:ext cx="8120418" cy="2522299"/>
           </a:xfrm>
           <a:prstGeom prst="rect">
             <a:avLst/>
@@ -10533,7 +10841,1435 @@
     </p:spTree>
     <p:extLst>
       <p:ext uri="{BB962C8B-B14F-4D97-AF65-F5344CB8AC3E}">
-        <p14:creationId xmlns:p14="http://schemas.microsoft.com/office/powerpoint/2010/main" val="1960209316"/>
+        <p14:creationId xmlns:p14="http://schemas.microsoft.com/office/powerpoint/2010/main" val="733249462"/>
+      </p:ext>
+    </p:extLst>
+  </p:cSld>
+  <p:clrMapOvr>
+    <a:masterClrMapping/>
+  </p:clrMapOvr>
+</p:sld>
+</file>
+
+<file path=ppt/slides/slide8.xml><?xml version="1.0" encoding="utf-8"?>
+<p:sld xmlns:a="http://schemas.openxmlformats.org/drawingml/2006/main" xmlns:r="http://schemas.openxmlformats.org/officeDocument/2006/relationships" xmlns:p="http://schemas.openxmlformats.org/presentationml/2006/main">
+  <p:cSld>
+    <p:bg>
+      <p:bgPr>
+        <a:blipFill dpi="0" rotWithShape="1">
+          <a:blip r:embed="rId3">
+            <a:alphaModFix amt="86000"/>
+            <a:duotone>
+              <a:schemeClr val="bg2">
+                <a:shade val="76000"/>
+                <a:satMod val="180000"/>
+              </a:schemeClr>
+              <a:schemeClr val="bg2">
+                <a:tint val="80000"/>
+                <a:satMod val="120000"/>
+                <a:lumMod val="180000"/>
+              </a:schemeClr>
+            </a:duotone>
+            <a:lum/>
+          </a:blip>
+          <a:srcRect/>
+          <a:tile tx="0" ty="0" sx="100000" sy="100000" flip="none" algn="tl"/>
+        </a:blipFill>
+        <a:effectLst/>
+      </p:bgPr>
+    </p:bg>
+    <p:spTree>
+      <p:nvGrpSpPr>
+        <p:cNvPr id="1" name=""/>
+        <p:cNvGrpSpPr/>
+        <p:nvPr/>
+      </p:nvGrpSpPr>
+      <p:grpSpPr>
+        <a:xfrm>
+          <a:off x="0" y="0"/>
+          <a:ext cx="0" cy="0"/>
+          <a:chOff x="0" y="0"/>
+          <a:chExt cx="0" cy="0"/>
+        </a:xfrm>
+      </p:grpSpPr>
+      <p:sp useBgFill="1">
+        <p:nvSpPr>
+          <p:cNvPr id="16" name="Rectangle 15"/>
+          <p:cNvSpPr/>
+          <p:nvPr/>
+        </p:nvSpPr>
+        <p:spPr>
+          <a:xfrm>
+            <a:off x="0" y="-53172"/>
+            <a:ext cx="12092765" cy="7025471"/>
+          </a:xfrm>
+          <a:prstGeom prst="rect">
+            <a:avLst/>
+          </a:prstGeom>
+          <a:ln>
+            <a:noFill/>
+          </a:ln>
+        </p:spPr>
+        <p:style>
+          <a:lnRef idx="2">
+            <a:schemeClr val="accent1">
+              <a:shade val="50000"/>
+            </a:schemeClr>
+          </a:lnRef>
+          <a:fillRef idx="1">
+            <a:schemeClr val="accent1"/>
+          </a:fillRef>
+          <a:effectRef idx="0">
+            <a:schemeClr val="accent1"/>
+          </a:effectRef>
+          <a:fontRef idx="minor">
+            <a:schemeClr val="lt1"/>
+          </a:fontRef>
+        </p:style>
+        <p:txBody>
+          <a:bodyPr rtlCol="0" anchor="ctr"/>
+          <a:lstStyle/>
+          <a:p>
+            <a:pPr algn="ctr"/>
+            <a:endParaRPr lang="en-CA" dirty="0"/>
+          </a:p>
+        </p:txBody>
+      </p:sp>
+      <p:sp>
+        <p:nvSpPr>
+          <p:cNvPr id="2" name="Title 1"/>
+          <p:cNvSpPr>
+            <a:spLocks noGrp="1"/>
+          </p:cNvSpPr>
+          <p:nvPr>
+            <p:ph type="title"/>
+          </p:nvPr>
+        </p:nvSpPr>
+        <p:spPr>
+          <a:xfrm>
+            <a:off x="1484311" y="0"/>
+            <a:ext cx="10018713" cy="1752599"/>
+          </a:xfrm>
+        </p:spPr>
+        <p:txBody>
+          <a:bodyPr>
+            <a:normAutofit/>
+          </a:bodyPr>
+          <a:lstStyle/>
+          <a:p>
+            <a:r>
+              <a:rPr lang="en-CA" sz="5400" dirty="0"/>
+              <a:t>Results</a:t>
+            </a:r>
+          </a:p>
+        </p:txBody>
+      </p:sp>
+      <p:sp>
+        <p:nvSpPr>
+          <p:cNvPr id="8" name="Content Placeholder 7"/>
+          <p:cNvSpPr>
+            <a:spLocks noGrp="1"/>
+          </p:cNvSpPr>
+          <p:nvPr>
+            <p:ph idx="1"/>
+          </p:nvPr>
+        </p:nvSpPr>
+        <p:spPr>
+          <a:xfrm>
+            <a:off x="1484310" y="1181998"/>
+            <a:ext cx="10018713" cy="822934"/>
+          </a:xfrm>
+        </p:spPr>
+        <p:txBody>
+          <a:bodyPr anchor="t">
+            <a:normAutofit/>
+          </a:bodyPr>
+          <a:lstStyle/>
+          <a:p>
+            <a:r>
+              <a:rPr lang="en-CA" sz="3600" dirty="0"/>
+              <a:t>Based on demographics:</a:t>
+            </a:r>
+          </a:p>
+        </p:txBody>
+      </p:sp>
+      <p:sp>
+        <p:nvSpPr>
+          <p:cNvPr id="15" name="TextBox 14"/>
+          <p:cNvSpPr txBox="1"/>
+          <p:nvPr/>
+        </p:nvSpPr>
+        <p:spPr>
+          <a:xfrm>
+            <a:off x="1876682" y="2045424"/>
+            <a:ext cx="2175622" cy="369332"/>
+          </a:xfrm>
+          <a:prstGeom prst="rect">
+            <a:avLst/>
+          </a:prstGeom>
+          <a:noFill/>
+        </p:spPr>
+        <p:txBody>
+          <a:bodyPr wrap="square" rtlCol="0">
+            <a:spAutoFit/>
+          </a:bodyPr>
+          <a:lstStyle/>
+          <a:p>
+            <a:r>
+              <a:rPr lang="en-CA" dirty="0" err="1"/>
+              <a:t>MinMax</a:t>
+            </a:r>
+            <a:r>
+              <a:rPr lang="en-CA" dirty="0"/>
+              <a:t>, </a:t>
+            </a:r>
+            <a:r>
+              <a:rPr lang="en-CA" dirty="0" err="1"/>
+              <a:t>Aggl</a:t>
+            </a:r>
+            <a:r>
+              <a:rPr lang="en-CA" dirty="0"/>
+              <a:t>., n = 3</a:t>
+            </a:r>
+          </a:p>
+        </p:txBody>
+      </p:sp>
+      <p:pic>
+        <p:nvPicPr>
+          <p:cNvPr id="3" name="Picture 2"/>
+          <p:cNvPicPr>
+            <a:picLocks noChangeAspect="1"/>
+          </p:cNvPicPr>
+          <p:nvPr/>
+        </p:nvPicPr>
+        <p:blipFill>
+          <a:blip r:embed="rId4"/>
+          <a:stretch>
+            <a:fillRect/>
+          </a:stretch>
+        </p:blipFill>
+        <p:spPr>
+          <a:xfrm>
+            <a:off x="1292794" y="2508502"/>
+            <a:ext cx="3180528" cy="2253606"/>
+          </a:xfrm>
+          <a:prstGeom prst="rect">
+            <a:avLst/>
+          </a:prstGeom>
+        </p:spPr>
+      </p:pic>
+      <p:pic>
+        <p:nvPicPr>
+          <p:cNvPr id="5" name="Picture 4"/>
+          <p:cNvPicPr>
+            <a:picLocks noChangeAspect="1"/>
+          </p:cNvPicPr>
+          <p:nvPr/>
+        </p:nvPicPr>
+        <p:blipFill>
+          <a:blip r:embed="rId5"/>
+          <a:stretch>
+            <a:fillRect/>
+          </a:stretch>
+        </p:blipFill>
+        <p:spPr>
+          <a:xfrm>
+            <a:off x="5764536" y="2508502"/>
+            <a:ext cx="3132387" cy="2244951"/>
+          </a:xfrm>
+          <a:prstGeom prst="rect">
+            <a:avLst/>
+          </a:prstGeom>
+        </p:spPr>
+      </p:pic>
+      <p:sp>
+        <p:nvSpPr>
+          <p:cNvPr id="18" name="TextBox 17"/>
+          <p:cNvSpPr txBox="1"/>
+          <p:nvPr/>
+        </p:nvSpPr>
+        <p:spPr>
+          <a:xfrm>
+            <a:off x="6242918" y="2048910"/>
+            <a:ext cx="2175622" cy="369332"/>
+          </a:xfrm>
+          <a:prstGeom prst="rect">
+            <a:avLst/>
+          </a:prstGeom>
+          <a:noFill/>
+        </p:spPr>
+        <p:txBody>
+          <a:bodyPr wrap="square" rtlCol="0">
+            <a:spAutoFit/>
+          </a:bodyPr>
+          <a:lstStyle/>
+          <a:p>
+            <a:r>
+              <a:rPr lang="en-CA" dirty="0" err="1"/>
+              <a:t>MinMax</a:t>
+            </a:r>
+            <a:r>
+              <a:rPr lang="en-CA" dirty="0"/>
+              <a:t>, </a:t>
+            </a:r>
+            <a:r>
+              <a:rPr lang="en-CA" dirty="0" err="1"/>
+              <a:t>Aggl</a:t>
+            </a:r>
+            <a:r>
+              <a:rPr lang="en-CA" dirty="0"/>
+              <a:t>., n = 3</a:t>
+            </a:r>
+          </a:p>
+        </p:txBody>
+      </p:sp>
+      <p:sp>
+        <p:nvSpPr>
+          <p:cNvPr id="19" name="Content Placeholder 7"/>
+          <p:cNvSpPr txBox="1">
+            <a:spLocks/>
+          </p:cNvSpPr>
+          <p:nvPr/>
+        </p:nvSpPr>
+        <p:spPr>
+          <a:xfrm>
+            <a:off x="906985" y="4833744"/>
+            <a:ext cx="7098949" cy="2079216"/>
+          </a:xfrm>
+          <a:prstGeom prst="rect">
+            <a:avLst/>
+          </a:prstGeom>
+        </p:spPr>
+        <p:txBody>
+          <a:bodyPr vert="horz" lIns="91440" tIns="45720" rIns="91440" bIns="45720" rtlCol="0" anchor="t">
+            <a:noAutofit/>
+          </a:bodyPr>
+          <a:lstStyle>
+            <a:lvl1pPr marL="285750" indent="-285750" algn="l" defTabSz="457200" rtl="0" eaLnBrk="1" latinLnBrk="0" hangingPunct="1">
+              <a:spcBef>
+                <a:spcPct val="20000"/>
+              </a:spcBef>
+              <a:spcAft>
+                <a:spcPts val="600"/>
+              </a:spcAft>
+              <a:buClr>
+                <a:schemeClr val="accent1">
+                  <a:lumMod val="75000"/>
+                </a:schemeClr>
+              </a:buClr>
+              <a:buSzPct val="145000"/>
+              <a:buFont typeface="Arial"/>
+              <a:buChar char="•"/>
+              <a:defRPr sz="2400" kern="1200" cap="none">
+                <a:solidFill>
+                  <a:schemeClr val="tx1"/>
+                </a:solidFill>
+                <a:effectLst/>
+                <a:latin typeface="+mn-lt"/>
+                <a:ea typeface="+mn-ea"/>
+                <a:cs typeface="+mn-cs"/>
+              </a:defRPr>
+            </a:lvl1pPr>
+            <a:lvl2pPr marL="742950" indent="-285750" algn="l" defTabSz="457200" rtl="0" eaLnBrk="1" latinLnBrk="0" hangingPunct="1">
+              <a:spcBef>
+                <a:spcPct val="20000"/>
+              </a:spcBef>
+              <a:spcAft>
+                <a:spcPts val="600"/>
+              </a:spcAft>
+              <a:buClr>
+                <a:schemeClr val="accent1">
+                  <a:lumMod val="75000"/>
+                </a:schemeClr>
+              </a:buClr>
+              <a:buSzPct val="145000"/>
+              <a:buFont typeface="Arial"/>
+              <a:buChar char="•"/>
+              <a:defRPr sz="2000" kern="1200" cap="none">
+                <a:solidFill>
+                  <a:schemeClr val="tx1"/>
+                </a:solidFill>
+                <a:effectLst/>
+                <a:latin typeface="+mn-lt"/>
+                <a:ea typeface="+mn-ea"/>
+                <a:cs typeface="+mn-cs"/>
+              </a:defRPr>
+            </a:lvl2pPr>
+            <a:lvl3pPr marL="1200150" indent="-285750" algn="l" defTabSz="457200" rtl="0" eaLnBrk="1" latinLnBrk="0" hangingPunct="1">
+              <a:spcBef>
+                <a:spcPct val="20000"/>
+              </a:spcBef>
+              <a:spcAft>
+                <a:spcPts val="600"/>
+              </a:spcAft>
+              <a:buClr>
+                <a:schemeClr val="accent1">
+                  <a:lumMod val="75000"/>
+                </a:schemeClr>
+              </a:buClr>
+              <a:buSzPct val="145000"/>
+              <a:buFont typeface="Arial"/>
+              <a:buChar char="•"/>
+              <a:defRPr sz="1800" kern="1200" cap="none">
+                <a:solidFill>
+                  <a:schemeClr val="tx1"/>
+                </a:solidFill>
+                <a:effectLst/>
+                <a:latin typeface="+mn-lt"/>
+                <a:ea typeface="+mn-ea"/>
+                <a:cs typeface="+mn-cs"/>
+              </a:defRPr>
+            </a:lvl3pPr>
+            <a:lvl4pPr marL="1543050" indent="-171450" algn="l" defTabSz="457200" rtl="0" eaLnBrk="1" latinLnBrk="0" hangingPunct="1">
+              <a:spcBef>
+                <a:spcPct val="20000"/>
+              </a:spcBef>
+              <a:spcAft>
+                <a:spcPts val="600"/>
+              </a:spcAft>
+              <a:buClr>
+                <a:schemeClr val="accent1">
+                  <a:lumMod val="75000"/>
+                </a:schemeClr>
+              </a:buClr>
+              <a:buSzPct val="145000"/>
+              <a:buFont typeface="Arial"/>
+              <a:buChar char="•"/>
+              <a:defRPr sz="1600" kern="1200" cap="none">
+                <a:solidFill>
+                  <a:schemeClr val="tx1"/>
+                </a:solidFill>
+                <a:effectLst/>
+                <a:latin typeface="+mn-lt"/>
+                <a:ea typeface="+mn-ea"/>
+                <a:cs typeface="+mn-cs"/>
+              </a:defRPr>
+            </a:lvl4pPr>
+            <a:lvl5pPr marL="2000250" indent="-171450" algn="l" defTabSz="457200" rtl="0" eaLnBrk="1" latinLnBrk="0" hangingPunct="1">
+              <a:spcBef>
+                <a:spcPct val="20000"/>
+              </a:spcBef>
+              <a:spcAft>
+                <a:spcPts val="600"/>
+              </a:spcAft>
+              <a:buClr>
+                <a:schemeClr val="accent1">
+                  <a:lumMod val="75000"/>
+                </a:schemeClr>
+              </a:buClr>
+              <a:buSzPct val="145000"/>
+              <a:buFont typeface="Arial"/>
+              <a:buChar char="•"/>
+              <a:defRPr sz="1400" kern="1200" cap="none">
+                <a:solidFill>
+                  <a:schemeClr val="tx1"/>
+                </a:solidFill>
+                <a:effectLst/>
+                <a:latin typeface="+mn-lt"/>
+                <a:ea typeface="+mn-ea"/>
+                <a:cs typeface="+mn-cs"/>
+              </a:defRPr>
+            </a:lvl5pPr>
+            <a:lvl6pPr marL="2514600" indent="-228600" algn="l" defTabSz="457200" rtl="0" eaLnBrk="1" latinLnBrk="0" hangingPunct="1">
+              <a:spcBef>
+                <a:spcPct val="20000"/>
+              </a:spcBef>
+              <a:spcAft>
+                <a:spcPts val="600"/>
+              </a:spcAft>
+              <a:buClr>
+                <a:schemeClr val="accent1">
+                  <a:lumMod val="75000"/>
+                </a:schemeClr>
+              </a:buClr>
+              <a:buSzPct val="145000"/>
+              <a:buFont typeface="Arial"/>
+              <a:buChar char="•"/>
+              <a:defRPr sz="1400" kern="1200" cap="none">
+                <a:solidFill>
+                  <a:schemeClr val="tx1"/>
+                </a:solidFill>
+                <a:effectLst/>
+                <a:latin typeface="+mn-lt"/>
+                <a:ea typeface="+mn-ea"/>
+                <a:cs typeface="+mn-cs"/>
+              </a:defRPr>
+            </a:lvl6pPr>
+            <a:lvl7pPr marL="2971800" indent="-228600" algn="l" defTabSz="457200" rtl="0" eaLnBrk="1" latinLnBrk="0" hangingPunct="1">
+              <a:spcBef>
+                <a:spcPct val="20000"/>
+              </a:spcBef>
+              <a:spcAft>
+                <a:spcPts val="600"/>
+              </a:spcAft>
+              <a:buClr>
+                <a:schemeClr val="accent1">
+                  <a:lumMod val="75000"/>
+                </a:schemeClr>
+              </a:buClr>
+              <a:buSzPct val="145000"/>
+              <a:buFont typeface="Arial"/>
+              <a:buChar char="•"/>
+              <a:defRPr sz="1400" kern="1200" cap="none">
+                <a:solidFill>
+                  <a:schemeClr val="tx1"/>
+                </a:solidFill>
+                <a:effectLst/>
+                <a:latin typeface="+mn-lt"/>
+                <a:ea typeface="+mn-ea"/>
+                <a:cs typeface="+mn-cs"/>
+              </a:defRPr>
+            </a:lvl7pPr>
+            <a:lvl8pPr marL="3429000" indent="-228600" algn="l" defTabSz="457200" rtl="0" eaLnBrk="1" latinLnBrk="0" hangingPunct="1">
+              <a:spcBef>
+                <a:spcPct val="20000"/>
+              </a:spcBef>
+              <a:spcAft>
+                <a:spcPts val="600"/>
+              </a:spcAft>
+              <a:buClr>
+                <a:schemeClr val="accent1">
+                  <a:lumMod val="75000"/>
+                </a:schemeClr>
+              </a:buClr>
+              <a:buSzPct val="145000"/>
+              <a:buFont typeface="Arial"/>
+              <a:buChar char="•"/>
+              <a:defRPr sz="1400" kern="1200" cap="none">
+                <a:solidFill>
+                  <a:schemeClr val="tx1"/>
+                </a:solidFill>
+                <a:effectLst/>
+                <a:latin typeface="+mn-lt"/>
+                <a:ea typeface="+mn-ea"/>
+                <a:cs typeface="+mn-cs"/>
+              </a:defRPr>
+            </a:lvl8pPr>
+            <a:lvl9pPr marL="3886200" indent="-228600" algn="l" defTabSz="457200" rtl="0" eaLnBrk="1" latinLnBrk="0" hangingPunct="1">
+              <a:spcBef>
+                <a:spcPct val="20000"/>
+              </a:spcBef>
+              <a:spcAft>
+                <a:spcPts val="600"/>
+              </a:spcAft>
+              <a:buClr>
+                <a:schemeClr val="accent1">
+                  <a:lumMod val="75000"/>
+                </a:schemeClr>
+              </a:buClr>
+              <a:buSzPct val="145000"/>
+              <a:buFont typeface="Arial"/>
+              <a:buChar char="•"/>
+              <a:defRPr sz="1400" kern="1200" cap="none">
+                <a:solidFill>
+                  <a:schemeClr val="tx1"/>
+                </a:solidFill>
+                <a:effectLst/>
+                <a:latin typeface="+mn-lt"/>
+                <a:ea typeface="+mn-ea"/>
+                <a:cs typeface="+mn-cs"/>
+              </a:defRPr>
+            </a:lvl9pPr>
+          </a:lstStyle>
+          <a:p>
+            <a:pPr marL="0" indent="0">
+              <a:buNone/>
+            </a:pPr>
+            <a:r>
+              <a:rPr lang="en-CA" sz="2000" u="sng" dirty="0"/>
+              <a:t>Insights</a:t>
+            </a:r>
+          </a:p>
+          <a:p>
+            <a:pPr>
+              <a:buFont typeface="Courier New" panose="02070309020205020404" pitchFamily="49" charset="0"/>
+              <a:buChar char="o"/>
+            </a:pPr>
+            <a:r>
+              <a:rPr lang="en-CA" sz="2000" dirty="0"/>
+              <a:t>Target long-term plans for married couples with kids</a:t>
+            </a:r>
+          </a:p>
+          <a:p>
+            <a:pPr>
+              <a:buFont typeface="Courier New" panose="02070309020205020404" pitchFamily="49" charset="0"/>
+              <a:buChar char="o"/>
+            </a:pPr>
+            <a:r>
+              <a:rPr lang="en-CA" sz="2000" dirty="0"/>
+              <a:t>Income is skewed based on gender</a:t>
+            </a:r>
+          </a:p>
+          <a:p>
+            <a:pPr lvl="1">
+              <a:buFont typeface="Courier New" panose="02070309020205020404" pitchFamily="49" charset="0"/>
+              <a:buChar char="o"/>
+            </a:pPr>
+            <a:r>
+              <a:rPr lang="en-CA" sz="1600" dirty="0"/>
+              <a:t>Could have special offers for women to increase business</a:t>
+            </a:r>
+          </a:p>
+          <a:p>
+            <a:pPr lvl="1">
+              <a:buFont typeface="Courier New" panose="02070309020205020404" pitchFamily="49" charset="0"/>
+              <a:buChar char="o"/>
+            </a:pPr>
+            <a:r>
+              <a:rPr lang="en-CA" sz="1600" dirty="0"/>
+              <a:t>Or reduce their credit limit</a:t>
+            </a:r>
+          </a:p>
+        </p:txBody>
+      </p:sp>
+      <p:sp>
+        <p:nvSpPr>
+          <p:cNvPr id="13" name="Content Placeholder 7"/>
+          <p:cNvSpPr txBox="1">
+            <a:spLocks/>
+          </p:cNvSpPr>
+          <p:nvPr/>
+        </p:nvSpPr>
+        <p:spPr>
+          <a:xfrm>
+            <a:off x="9655875" y="4896255"/>
+            <a:ext cx="1637648" cy="1397527"/>
+          </a:xfrm>
+          <a:prstGeom prst="rect">
+            <a:avLst/>
+          </a:prstGeom>
+        </p:spPr>
+        <p:txBody>
+          <a:bodyPr vert="horz" lIns="91440" tIns="45720" rIns="91440" bIns="45720" rtlCol="0" anchor="t">
+            <a:noAutofit/>
+          </a:bodyPr>
+          <a:lstStyle>
+            <a:lvl1pPr marL="285750" indent="-285750" algn="l" defTabSz="457200" rtl="0" eaLnBrk="1" latinLnBrk="0" hangingPunct="1">
+              <a:spcBef>
+                <a:spcPct val="20000"/>
+              </a:spcBef>
+              <a:spcAft>
+                <a:spcPts val="600"/>
+              </a:spcAft>
+              <a:buClr>
+                <a:schemeClr val="accent1">
+                  <a:lumMod val="75000"/>
+                </a:schemeClr>
+              </a:buClr>
+              <a:buSzPct val="145000"/>
+              <a:buFont typeface="Arial"/>
+              <a:buChar char="•"/>
+              <a:defRPr sz="2400" kern="1200" cap="none">
+                <a:solidFill>
+                  <a:schemeClr val="tx1"/>
+                </a:solidFill>
+                <a:effectLst/>
+                <a:latin typeface="+mn-lt"/>
+                <a:ea typeface="+mn-ea"/>
+                <a:cs typeface="+mn-cs"/>
+              </a:defRPr>
+            </a:lvl1pPr>
+            <a:lvl2pPr marL="742950" indent="-285750" algn="l" defTabSz="457200" rtl="0" eaLnBrk="1" latinLnBrk="0" hangingPunct="1">
+              <a:spcBef>
+                <a:spcPct val="20000"/>
+              </a:spcBef>
+              <a:spcAft>
+                <a:spcPts val="600"/>
+              </a:spcAft>
+              <a:buClr>
+                <a:schemeClr val="accent1">
+                  <a:lumMod val="75000"/>
+                </a:schemeClr>
+              </a:buClr>
+              <a:buSzPct val="145000"/>
+              <a:buFont typeface="Arial"/>
+              <a:buChar char="•"/>
+              <a:defRPr sz="2000" kern="1200" cap="none">
+                <a:solidFill>
+                  <a:schemeClr val="tx1"/>
+                </a:solidFill>
+                <a:effectLst/>
+                <a:latin typeface="+mn-lt"/>
+                <a:ea typeface="+mn-ea"/>
+                <a:cs typeface="+mn-cs"/>
+              </a:defRPr>
+            </a:lvl2pPr>
+            <a:lvl3pPr marL="1200150" indent="-285750" algn="l" defTabSz="457200" rtl="0" eaLnBrk="1" latinLnBrk="0" hangingPunct="1">
+              <a:spcBef>
+                <a:spcPct val="20000"/>
+              </a:spcBef>
+              <a:spcAft>
+                <a:spcPts val="600"/>
+              </a:spcAft>
+              <a:buClr>
+                <a:schemeClr val="accent1">
+                  <a:lumMod val="75000"/>
+                </a:schemeClr>
+              </a:buClr>
+              <a:buSzPct val="145000"/>
+              <a:buFont typeface="Arial"/>
+              <a:buChar char="•"/>
+              <a:defRPr sz="1800" kern="1200" cap="none">
+                <a:solidFill>
+                  <a:schemeClr val="tx1"/>
+                </a:solidFill>
+                <a:effectLst/>
+                <a:latin typeface="+mn-lt"/>
+                <a:ea typeface="+mn-ea"/>
+                <a:cs typeface="+mn-cs"/>
+              </a:defRPr>
+            </a:lvl3pPr>
+            <a:lvl4pPr marL="1543050" indent="-171450" algn="l" defTabSz="457200" rtl="0" eaLnBrk="1" latinLnBrk="0" hangingPunct="1">
+              <a:spcBef>
+                <a:spcPct val="20000"/>
+              </a:spcBef>
+              <a:spcAft>
+                <a:spcPts val="600"/>
+              </a:spcAft>
+              <a:buClr>
+                <a:schemeClr val="accent1">
+                  <a:lumMod val="75000"/>
+                </a:schemeClr>
+              </a:buClr>
+              <a:buSzPct val="145000"/>
+              <a:buFont typeface="Arial"/>
+              <a:buChar char="•"/>
+              <a:defRPr sz="1600" kern="1200" cap="none">
+                <a:solidFill>
+                  <a:schemeClr val="tx1"/>
+                </a:solidFill>
+                <a:effectLst/>
+                <a:latin typeface="+mn-lt"/>
+                <a:ea typeface="+mn-ea"/>
+                <a:cs typeface="+mn-cs"/>
+              </a:defRPr>
+            </a:lvl4pPr>
+            <a:lvl5pPr marL="2000250" indent="-171450" algn="l" defTabSz="457200" rtl="0" eaLnBrk="1" latinLnBrk="0" hangingPunct="1">
+              <a:spcBef>
+                <a:spcPct val="20000"/>
+              </a:spcBef>
+              <a:spcAft>
+                <a:spcPts val="600"/>
+              </a:spcAft>
+              <a:buClr>
+                <a:schemeClr val="accent1">
+                  <a:lumMod val="75000"/>
+                </a:schemeClr>
+              </a:buClr>
+              <a:buSzPct val="145000"/>
+              <a:buFont typeface="Arial"/>
+              <a:buChar char="•"/>
+              <a:defRPr sz="1400" kern="1200" cap="none">
+                <a:solidFill>
+                  <a:schemeClr val="tx1"/>
+                </a:solidFill>
+                <a:effectLst/>
+                <a:latin typeface="+mn-lt"/>
+                <a:ea typeface="+mn-ea"/>
+                <a:cs typeface="+mn-cs"/>
+              </a:defRPr>
+            </a:lvl5pPr>
+            <a:lvl6pPr marL="2514600" indent="-228600" algn="l" defTabSz="457200" rtl="0" eaLnBrk="1" latinLnBrk="0" hangingPunct="1">
+              <a:spcBef>
+                <a:spcPct val="20000"/>
+              </a:spcBef>
+              <a:spcAft>
+                <a:spcPts val="600"/>
+              </a:spcAft>
+              <a:buClr>
+                <a:schemeClr val="accent1">
+                  <a:lumMod val="75000"/>
+                </a:schemeClr>
+              </a:buClr>
+              <a:buSzPct val="145000"/>
+              <a:buFont typeface="Arial"/>
+              <a:buChar char="•"/>
+              <a:defRPr sz="1400" kern="1200" cap="none">
+                <a:solidFill>
+                  <a:schemeClr val="tx1"/>
+                </a:solidFill>
+                <a:effectLst/>
+                <a:latin typeface="+mn-lt"/>
+                <a:ea typeface="+mn-ea"/>
+                <a:cs typeface="+mn-cs"/>
+              </a:defRPr>
+            </a:lvl6pPr>
+            <a:lvl7pPr marL="2971800" indent="-228600" algn="l" defTabSz="457200" rtl="0" eaLnBrk="1" latinLnBrk="0" hangingPunct="1">
+              <a:spcBef>
+                <a:spcPct val="20000"/>
+              </a:spcBef>
+              <a:spcAft>
+                <a:spcPts val="600"/>
+              </a:spcAft>
+              <a:buClr>
+                <a:schemeClr val="accent1">
+                  <a:lumMod val="75000"/>
+                </a:schemeClr>
+              </a:buClr>
+              <a:buSzPct val="145000"/>
+              <a:buFont typeface="Arial"/>
+              <a:buChar char="•"/>
+              <a:defRPr sz="1400" kern="1200" cap="none">
+                <a:solidFill>
+                  <a:schemeClr val="tx1"/>
+                </a:solidFill>
+                <a:effectLst/>
+                <a:latin typeface="+mn-lt"/>
+                <a:ea typeface="+mn-ea"/>
+                <a:cs typeface="+mn-cs"/>
+              </a:defRPr>
+            </a:lvl7pPr>
+            <a:lvl8pPr marL="3429000" indent="-228600" algn="l" defTabSz="457200" rtl="0" eaLnBrk="1" latinLnBrk="0" hangingPunct="1">
+              <a:spcBef>
+                <a:spcPct val="20000"/>
+              </a:spcBef>
+              <a:spcAft>
+                <a:spcPts val="600"/>
+              </a:spcAft>
+              <a:buClr>
+                <a:schemeClr val="accent1">
+                  <a:lumMod val="75000"/>
+                </a:schemeClr>
+              </a:buClr>
+              <a:buSzPct val="145000"/>
+              <a:buFont typeface="Arial"/>
+              <a:buChar char="•"/>
+              <a:defRPr sz="1400" kern="1200" cap="none">
+                <a:solidFill>
+                  <a:schemeClr val="tx1"/>
+                </a:solidFill>
+                <a:effectLst/>
+                <a:latin typeface="+mn-lt"/>
+                <a:ea typeface="+mn-ea"/>
+                <a:cs typeface="+mn-cs"/>
+              </a:defRPr>
+            </a:lvl8pPr>
+            <a:lvl9pPr marL="3886200" indent="-228600" algn="l" defTabSz="457200" rtl="0" eaLnBrk="1" latinLnBrk="0" hangingPunct="1">
+              <a:spcBef>
+                <a:spcPct val="20000"/>
+              </a:spcBef>
+              <a:spcAft>
+                <a:spcPts val="600"/>
+              </a:spcAft>
+              <a:buClr>
+                <a:schemeClr val="accent1">
+                  <a:lumMod val="75000"/>
+                </a:schemeClr>
+              </a:buClr>
+              <a:buSzPct val="145000"/>
+              <a:buFont typeface="Arial"/>
+              <a:buChar char="•"/>
+              <a:defRPr sz="1400" kern="1200" cap="none">
+                <a:solidFill>
+                  <a:schemeClr val="tx1"/>
+                </a:solidFill>
+                <a:effectLst/>
+                <a:latin typeface="+mn-lt"/>
+                <a:ea typeface="+mn-ea"/>
+                <a:cs typeface="+mn-cs"/>
+              </a:defRPr>
+            </a:lvl9pPr>
+          </a:lstStyle>
+          <a:p>
+            <a:pPr marL="0" indent="0">
+              <a:buNone/>
+            </a:pPr>
+            <a:r>
+              <a:rPr lang="en-CA" sz="1600" u="sng" dirty="0"/>
+              <a:t>Average Income</a:t>
+            </a:r>
+          </a:p>
+          <a:p>
+            <a:pPr marL="0" indent="0">
+              <a:buNone/>
+            </a:pPr>
+            <a:r>
+              <a:rPr lang="en-CA" sz="1600" dirty="0"/>
+              <a:t>F     19834</a:t>
+            </a:r>
+          </a:p>
+          <a:p>
+            <a:pPr marL="0" indent="0">
+              <a:buNone/>
+            </a:pPr>
+            <a:r>
+              <a:rPr lang="en-CA" sz="1600" dirty="0"/>
+              <a:t>M     26406</a:t>
+            </a:r>
+          </a:p>
+        </p:txBody>
+      </p:sp>
+    </p:spTree>
+    <p:extLst>
+      <p:ext uri="{BB962C8B-B14F-4D97-AF65-F5344CB8AC3E}">
+        <p14:creationId xmlns:p14="http://schemas.microsoft.com/office/powerpoint/2010/main" val="2995662968"/>
+      </p:ext>
+    </p:extLst>
+  </p:cSld>
+  <p:clrMapOvr>
+    <a:masterClrMapping/>
+  </p:clrMapOvr>
+</p:sld>
+</file>
+
+<file path=ppt/slides/slide9.xml><?xml version="1.0" encoding="utf-8"?>
+<p:sld xmlns:a="http://schemas.openxmlformats.org/drawingml/2006/main" xmlns:r="http://schemas.openxmlformats.org/officeDocument/2006/relationships" xmlns:p="http://schemas.openxmlformats.org/presentationml/2006/main">
+  <p:cSld>
+    <p:bg>
+      <p:bgPr>
+        <a:blipFill dpi="0" rotWithShape="1">
+          <a:blip r:embed="rId3">
+            <a:alphaModFix amt="86000"/>
+            <a:duotone>
+              <a:schemeClr val="bg2">
+                <a:shade val="76000"/>
+                <a:satMod val="180000"/>
+              </a:schemeClr>
+              <a:schemeClr val="bg2">
+                <a:tint val="80000"/>
+                <a:satMod val="120000"/>
+                <a:lumMod val="180000"/>
+              </a:schemeClr>
+            </a:duotone>
+            <a:lum/>
+          </a:blip>
+          <a:srcRect/>
+          <a:tile tx="0" ty="0" sx="100000" sy="100000" flip="none" algn="tl"/>
+        </a:blipFill>
+        <a:effectLst/>
+      </p:bgPr>
+    </p:bg>
+    <p:spTree>
+      <p:nvGrpSpPr>
+        <p:cNvPr id="1" name=""/>
+        <p:cNvGrpSpPr/>
+        <p:nvPr/>
+      </p:nvGrpSpPr>
+      <p:grpSpPr>
+        <a:xfrm>
+          <a:off x="0" y="0"/>
+          <a:ext cx="0" cy="0"/>
+          <a:chOff x="0" y="0"/>
+          <a:chExt cx="0" cy="0"/>
+        </a:xfrm>
+      </p:grpSpPr>
+      <p:sp useBgFill="1">
+        <p:nvSpPr>
+          <p:cNvPr id="16" name="Rectangle 15"/>
+          <p:cNvSpPr/>
+          <p:nvPr/>
+        </p:nvSpPr>
+        <p:spPr>
+          <a:xfrm>
+            <a:off x="0" y="-53172"/>
+            <a:ext cx="12092765" cy="7025471"/>
+          </a:xfrm>
+          <a:prstGeom prst="rect">
+            <a:avLst/>
+          </a:prstGeom>
+          <a:ln>
+            <a:noFill/>
+          </a:ln>
+        </p:spPr>
+        <p:style>
+          <a:lnRef idx="2">
+            <a:schemeClr val="accent1">
+              <a:shade val="50000"/>
+            </a:schemeClr>
+          </a:lnRef>
+          <a:fillRef idx="1">
+            <a:schemeClr val="accent1"/>
+          </a:fillRef>
+          <a:effectRef idx="0">
+            <a:schemeClr val="accent1"/>
+          </a:effectRef>
+          <a:fontRef idx="minor">
+            <a:schemeClr val="lt1"/>
+          </a:fontRef>
+        </p:style>
+        <p:txBody>
+          <a:bodyPr rtlCol="0" anchor="ctr"/>
+          <a:lstStyle/>
+          <a:p>
+            <a:pPr algn="ctr"/>
+            <a:endParaRPr lang="en-CA" dirty="0"/>
+          </a:p>
+        </p:txBody>
+      </p:sp>
+      <p:sp>
+        <p:nvSpPr>
+          <p:cNvPr id="2" name="Title 1"/>
+          <p:cNvSpPr>
+            <a:spLocks noGrp="1"/>
+          </p:cNvSpPr>
+          <p:nvPr>
+            <p:ph type="title"/>
+          </p:nvPr>
+        </p:nvSpPr>
+        <p:spPr>
+          <a:xfrm>
+            <a:off x="1484311" y="0"/>
+            <a:ext cx="10018713" cy="1752599"/>
+          </a:xfrm>
+        </p:spPr>
+        <p:txBody>
+          <a:bodyPr>
+            <a:normAutofit/>
+          </a:bodyPr>
+          <a:lstStyle/>
+          <a:p>
+            <a:r>
+              <a:rPr lang="en-CA" sz="5400" dirty="0"/>
+              <a:t>Results</a:t>
+            </a:r>
+          </a:p>
+        </p:txBody>
+      </p:sp>
+      <p:sp>
+        <p:nvSpPr>
+          <p:cNvPr id="8" name="Content Placeholder 7"/>
+          <p:cNvSpPr>
+            <a:spLocks noGrp="1"/>
+          </p:cNvSpPr>
+          <p:nvPr>
+            <p:ph idx="1"/>
+          </p:nvPr>
+        </p:nvSpPr>
+        <p:spPr>
+          <a:xfrm>
+            <a:off x="1484310" y="1181998"/>
+            <a:ext cx="10018713" cy="822934"/>
+          </a:xfrm>
+        </p:spPr>
+        <p:txBody>
+          <a:bodyPr anchor="t">
+            <a:normAutofit/>
+          </a:bodyPr>
+          <a:lstStyle/>
+          <a:p>
+            <a:r>
+              <a:rPr lang="en-CA" sz="3600" dirty="0"/>
+              <a:t>Based on banking habits:</a:t>
+            </a:r>
+          </a:p>
+        </p:txBody>
+      </p:sp>
+      <p:sp>
+        <p:nvSpPr>
+          <p:cNvPr id="19" name="Content Placeholder 7"/>
+          <p:cNvSpPr txBox="1">
+            <a:spLocks/>
+          </p:cNvSpPr>
+          <p:nvPr/>
+        </p:nvSpPr>
+        <p:spPr>
+          <a:xfrm>
+            <a:off x="906985" y="4983343"/>
+            <a:ext cx="8639624" cy="1767721"/>
+          </a:xfrm>
+          <a:prstGeom prst="rect">
+            <a:avLst/>
+          </a:prstGeom>
+        </p:spPr>
+        <p:txBody>
+          <a:bodyPr vert="horz" lIns="91440" tIns="45720" rIns="91440" bIns="45720" rtlCol="0" anchor="t">
+            <a:noAutofit/>
+          </a:bodyPr>
+          <a:lstStyle>
+            <a:lvl1pPr marL="285750" indent="-285750" algn="l" defTabSz="457200" rtl="0" eaLnBrk="1" latinLnBrk="0" hangingPunct="1">
+              <a:spcBef>
+                <a:spcPct val="20000"/>
+              </a:spcBef>
+              <a:spcAft>
+                <a:spcPts val="600"/>
+              </a:spcAft>
+              <a:buClr>
+                <a:schemeClr val="accent1">
+                  <a:lumMod val="75000"/>
+                </a:schemeClr>
+              </a:buClr>
+              <a:buSzPct val="145000"/>
+              <a:buFont typeface="Arial"/>
+              <a:buChar char="•"/>
+              <a:defRPr sz="2400" kern="1200" cap="none">
+                <a:solidFill>
+                  <a:schemeClr val="tx1"/>
+                </a:solidFill>
+                <a:effectLst/>
+                <a:latin typeface="+mn-lt"/>
+                <a:ea typeface="+mn-ea"/>
+                <a:cs typeface="+mn-cs"/>
+              </a:defRPr>
+            </a:lvl1pPr>
+            <a:lvl2pPr marL="742950" indent="-285750" algn="l" defTabSz="457200" rtl="0" eaLnBrk="1" latinLnBrk="0" hangingPunct="1">
+              <a:spcBef>
+                <a:spcPct val="20000"/>
+              </a:spcBef>
+              <a:spcAft>
+                <a:spcPts val="600"/>
+              </a:spcAft>
+              <a:buClr>
+                <a:schemeClr val="accent1">
+                  <a:lumMod val="75000"/>
+                </a:schemeClr>
+              </a:buClr>
+              <a:buSzPct val="145000"/>
+              <a:buFont typeface="Arial"/>
+              <a:buChar char="•"/>
+              <a:defRPr sz="2000" kern="1200" cap="none">
+                <a:solidFill>
+                  <a:schemeClr val="tx1"/>
+                </a:solidFill>
+                <a:effectLst/>
+                <a:latin typeface="+mn-lt"/>
+                <a:ea typeface="+mn-ea"/>
+                <a:cs typeface="+mn-cs"/>
+              </a:defRPr>
+            </a:lvl2pPr>
+            <a:lvl3pPr marL="1200150" indent="-285750" algn="l" defTabSz="457200" rtl="0" eaLnBrk="1" latinLnBrk="0" hangingPunct="1">
+              <a:spcBef>
+                <a:spcPct val="20000"/>
+              </a:spcBef>
+              <a:spcAft>
+                <a:spcPts val="600"/>
+              </a:spcAft>
+              <a:buClr>
+                <a:schemeClr val="accent1">
+                  <a:lumMod val="75000"/>
+                </a:schemeClr>
+              </a:buClr>
+              <a:buSzPct val="145000"/>
+              <a:buFont typeface="Arial"/>
+              <a:buChar char="•"/>
+              <a:defRPr sz="1800" kern="1200" cap="none">
+                <a:solidFill>
+                  <a:schemeClr val="tx1"/>
+                </a:solidFill>
+                <a:effectLst/>
+                <a:latin typeface="+mn-lt"/>
+                <a:ea typeface="+mn-ea"/>
+                <a:cs typeface="+mn-cs"/>
+              </a:defRPr>
+            </a:lvl3pPr>
+            <a:lvl4pPr marL="1543050" indent="-171450" algn="l" defTabSz="457200" rtl="0" eaLnBrk="1" latinLnBrk="0" hangingPunct="1">
+              <a:spcBef>
+                <a:spcPct val="20000"/>
+              </a:spcBef>
+              <a:spcAft>
+                <a:spcPts val="600"/>
+              </a:spcAft>
+              <a:buClr>
+                <a:schemeClr val="accent1">
+                  <a:lumMod val="75000"/>
+                </a:schemeClr>
+              </a:buClr>
+              <a:buSzPct val="145000"/>
+              <a:buFont typeface="Arial"/>
+              <a:buChar char="•"/>
+              <a:defRPr sz="1600" kern="1200" cap="none">
+                <a:solidFill>
+                  <a:schemeClr val="tx1"/>
+                </a:solidFill>
+                <a:effectLst/>
+                <a:latin typeface="+mn-lt"/>
+                <a:ea typeface="+mn-ea"/>
+                <a:cs typeface="+mn-cs"/>
+              </a:defRPr>
+            </a:lvl4pPr>
+            <a:lvl5pPr marL="2000250" indent="-171450" algn="l" defTabSz="457200" rtl="0" eaLnBrk="1" latinLnBrk="0" hangingPunct="1">
+              <a:spcBef>
+                <a:spcPct val="20000"/>
+              </a:spcBef>
+              <a:spcAft>
+                <a:spcPts val="600"/>
+              </a:spcAft>
+              <a:buClr>
+                <a:schemeClr val="accent1">
+                  <a:lumMod val="75000"/>
+                </a:schemeClr>
+              </a:buClr>
+              <a:buSzPct val="145000"/>
+              <a:buFont typeface="Arial"/>
+              <a:buChar char="•"/>
+              <a:defRPr sz="1400" kern="1200" cap="none">
+                <a:solidFill>
+                  <a:schemeClr val="tx1"/>
+                </a:solidFill>
+                <a:effectLst/>
+                <a:latin typeface="+mn-lt"/>
+                <a:ea typeface="+mn-ea"/>
+                <a:cs typeface="+mn-cs"/>
+              </a:defRPr>
+            </a:lvl5pPr>
+            <a:lvl6pPr marL="2514600" indent="-228600" algn="l" defTabSz="457200" rtl="0" eaLnBrk="1" latinLnBrk="0" hangingPunct="1">
+              <a:spcBef>
+                <a:spcPct val="20000"/>
+              </a:spcBef>
+              <a:spcAft>
+                <a:spcPts val="600"/>
+              </a:spcAft>
+              <a:buClr>
+                <a:schemeClr val="accent1">
+                  <a:lumMod val="75000"/>
+                </a:schemeClr>
+              </a:buClr>
+              <a:buSzPct val="145000"/>
+              <a:buFont typeface="Arial"/>
+              <a:buChar char="•"/>
+              <a:defRPr sz="1400" kern="1200" cap="none">
+                <a:solidFill>
+                  <a:schemeClr val="tx1"/>
+                </a:solidFill>
+                <a:effectLst/>
+                <a:latin typeface="+mn-lt"/>
+                <a:ea typeface="+mn-ea"/>
+                <a:cs typeface="+mn-cs"/>
+              </a:defRPr>
+            </a:lvl6pPr>
+            <a:lvl7pPr marL="2971800" indent="-228600" algn="l" defTabSz="457200" rtl="0" eaLnBrk="1" latinLnBrk="0" hangingPunct="1">
+              <a:spcBef>
+                <a:spcPct val="20000"/>
+              </a:spcBef>
+              <a:spcAft>
+                <a:spcPts val="600"/>
+              </a:spcAft>
+              <a:buClr>
+                <a:schemeClr val="accent1">
+                  <a:lumMod val="75000"/>
+                </a:schemeClr>
+              </a:buClr>
+              <a:buSzPct val="145000"/>
+              <a:buFont typeface="Arial"/>
+              <a:buChar char="•"/>
+              <a:defRPr sz="1400" kern="1200" cap="none">
+                <a:solidFill>
+                  <a:schemeClr val="tx1"/>
+                </a:solidFill>
+                <a:effectLst/>
+                <a:latin typeface="+mn-lt"/>
+                <a:ea typeface="+mn-ea"/>
+                <a:cs typeface="+mn-cs"/>
+              </a:defRPr>
+            </a:lvl7pPr>
+            <a:lvl8pPr marL="3429000" indent="-228600" algn="l" defTabSz="457200" rtl="0" eaLnBrk="1" latinLnBrk="0" hangingPunct="1">
+              <a:spcBef>
+                <a:spcPct val="20000"/>
+              </a:spcBef>
+              <a:spcAft>
+                <a:spcPts val="600"/>
+              </a:spcAft>
+              <a:buClr>
+                <a:schemeClr val="accent1">
+                  <a:lumMod val="75000"/>
+                </a:schemeClr>
+              </a:buClr>
+              <a:buSzPct val="145000"/>
+              <a:buFont typeface="Arial"/>
+              <a:buChar char="•"/>
+              <a:defRPr sz="1400" kern="1200" cap="none">
+                <a:solidFill>
+                  <a:schemeClr val="tx1"/>
+                </a:solidFill>
+                <a:effectLst/>
+                <a:latin typeface="+mn-lt"/>
+                <a:ea typeface="+mn-ea"/>
+                <a:cs typeface="+mn-cs"/>
+              </a:defRPr>
+            </a:lvl8pPr>
+            <a:lvl9pPr marL="3886200" indent="-228600" algn="l" defTabSz="457200" rtl="0" eaLnBrk="1" latinLnBrk="0" hangingPunct="1">
+              <a:spcBef>
+                <a:spcPct val="20000"/>
+              </a:spcBef>
+              <a:spcAft>
+                <a:spcPts val="600"/>
+              </a:spcAft>
+              <a:buClr>
+                <a:schemeClr val="accent1">
+                  <a:lumMod val="75000"/>
+                </a:schemeClr>
+              </a:buClr>
+              <a:buSzPct val="145000"/>
+              <a:buFont typeface="Arial"/>
+              <a:buChar char="•"/>
+              <a:defRPr sz="1400" kern="1200" cap="none">
+                <a:solidFill>
+                  <a:schemeClr val="tx1"/>
+                </a:solidFill>
+                <a:effectLst/>
+                <a:latin typeface="+mn-lt"/>
+                <a:ea typeface="+mn-ea"/>
+                <a:cs typeface="+mn-cs"/>
+              </a:defRPr>
+            </a:lvl9pPr>
+          </a:lstStyle>
+          <a:p>
+            <a:pPr marL="0" indent="0">
+              <a:buNone/>
+            </a:pPr>
+            <a:r>
+              <a:rPr lang="en-CA" sz="2000" u="sng" dirty="0"/>
+              <a:t>Insights</a:t>
+            </a:r>
+          </a:p>
+          <a:p>
+            <a:pPr>
+              <a:buFont typeface="Courier New" panose="02070309020205020404" pitchFamily="49" charset="0"/>
+              <a:buChar char="o"/>
+            </a:pPr>
+            <a:r>
+              <a:rPr lang="en-CA" sz="2000" dirty="0"/>
+              <a:t>Target checking users to create a savings account (males?)</a:t>
+            </a:r>
+          </a:p>
+          <a:p>
+            <a:pPr>
+              <a:buFont typeface="Courier New" panose="02070309020205020404" pitchFamily="49" charset="0"/>
+              <a:buChar char="o"/>
+            </a:pPr>
+            <a:r>
+              <a:rPr lang="en-CA" sz="2000" dirty="0"/>
+              <a:t>Target avid credit card users with credit limit increase</a:t>
+            </a:r>
+          </a:p>
+          <a:p>
+            <a:pPr>
+              <a:buFont typeface="Courier New" panose="02070309020205020404" pitchFamily="49" charset="0"/>
+              <a:buChar char="o"/>
+            </a:pPr>
+            <a:endParaRPr lang="en-CA" sz="2000" dirty="0"/>
+          </a:p>
+        </p:txBody>
+      </p:sp>
+      <p:pic>
+        <p:nvPicPr>
+          <p:cNvPr id="5" name="Picture 4"/>
+          <p:cNvPicPr>
+            <a:picLocks noChangeAspect="1"/>
+          </p:cNvPicPr>
+          <p:nvPr/>
+        </p:nvPicPr>
+        <p:blipFill>
+          <a:blip r:embed="rId4"/>
+          <a:stretch>
+            <a:fillRect/>
+          </a:stretch>
+        </p:blipFill>
+        <p:spPr>
+          <a:xfrm>
+            <a:off x="1484311" y="2395612"/>
+            <a:ext cx="4445642" cy="2283241"/>
+          </a:xfrm>
+          <a:prstGeom prst="rect">
+            <a:avLst/>
+          </a:prstGeom>
+        </p:spPr>
+      </p:pic>
+      <p:pic>
+        <p:nvPicPr>
+          <p:cNvPr id="6" name="Picture 5"/>
+          <p:cNvPicPr>
+            <a:picLocks noChangeAspect="1"/>
+          </p:cNvPicPr>
+          <p:nvPr/>
+        </p:nvPicPr>
+        <p:blipFill>
+          <a:blip r:embed="rId5"/>
+          <a:stretch>
+            <a:fillRect/>
+          </a:stretch>
+        </p:blipFill>
+        <p:spPr>
+          <a:xfrm>
+            <a:off x="6519862" y="2395611"/>
+            <a:ext cx="4480695" cy="2283241"/>
+          </a:xfrm>
+          <a:prstGeom prst="rect">
+            <a:avLst/>
+          </a:prstGeom>
+        </p:spPr>
+      </p:pic>
+      <p:sp>
+        <p:nvSpPr>
+          <p:cNvPr id="12" name="TextBox 11"/>
+          <p:cNvSpPr txBox="1"/>
+          <p:nvPr/>
+        </p:nvSpPr>
+        <p:spPr>
+          <a:xfrm>
+            <a:off x="2619320" y="2015605"/>
+            <a:ext cx="2525885" cy="369332"/>
+          </a:xfrm>
+          <a:prstGeom prst="rect">
+            <a:avLst/>
+          </a:prstGeom>
+          <a:noFill/>
+        </p:spPr>
+        <p:txBody>
+          <a:bodyPr wrap="square" rtlCol="0">
+            <a:spAutoFit/>
+          </a:bodyPr>
+          <a:lstStyle/>
+          <a:p>
+            <a:r>
+              <a:rPr lang="en-CA" dirty="0" err="1"/>
+              <a:t>MinMax</a:t>
+            </a:r>
+            <a:r>
+              <a:rPr lang="en-CA" dirty="0"/>
+              <a:t>, </a:t>
+            </a:r>
+            <a:r>
+              <a:rPr lang="en-CA" dirty="0" err="1"/>
+              <a:t>KMeans</a:t>
+            </a:r>
+            <a:r>
+              <a:rPr lang="en-CA" dirty="0"/>
+              <a:t>, n = 4</a:t>
+            </a:r>
+          </a:p>
+        </p:txBody>
+      </p:sp>
+      <p:sp>
+        <p:nvSpPr>
+          <p:cNvPr id="13" name="TextBox 12"/>
+          <p:cNvSpPr txBox="1"/>
+          <p:nvPr/>
+        </p:nvSpPr>
+        <p:spPr>
+          <a:xfrm>
+            <a:off x="7497266" y="1999808"/>
+            <a:ext cx="2525885" cy="369332"/>
+          </a:xfrm>
+          <a:prstGeom prst="rect">
+            <a:avLst/>
+          </a:prstGeom>
+          <a:noFill/>
+        </p:spPr>
+        <p:txBody>
+          <a:bodyPr wrap="square" rtlCol="0">
+            <a:spAutoFit/>
+          </a:bodyPr>
+          <a:lstStyle/>
+          <a:p>
+            <a:r>
+              <a:rPr lang="en-CA" dirty="0"/>
+              <a:t>Robust, </a:t>
+            </a:r>
+            <a:r>
+              <a:rPr lang="en-CA" dirty="0" err="1"/>
+              <a:t>KMeans</a:t>
+            </a:r>
+            <a:r>
+              <a:rPr lang="en-CA" dirty="0"/>
+              <a:t>, n = 4</a:t>
+            </a:r>
+          </a:p>
+        </p:txBody>
+      </p:sp>
+    </p:spTree>
+    <p:extLst>
+      <p:ext uri="{BB962C8B-B14F-4D97-AF65-F5344CB8AC3E}">
+        <p14:creationId xmlns:p14="http://schemas.microsoft.com/office/powerpoint/2010/main" val="1811022527"/>
       </p:ext>
     </p:extLst>
   </p:cSld>
